--- a/프로젝트계획서(상세)이해니_금융라이브커머스_2차_20210702.pptx
+++ b/프로젝트계획서(상세)이해니_금융라이브커머스_2차_20210702.pptx
@@ -16,6 +16,7 @@
     <p:sldId id="331" r:id="rId10"/>
     <p:sldId id="332" r:id="rId11"/>
     <p:sldId id="336" r:id="rId12"/>
+    <p:sldId id="337" r:id="rId13"/>
   </p:sldIdLst>
   <p:sldSz cx="12192000" cy="6858000"/>
   <p:notesSz cx="6858000" cy="9144000"/>
@@ -124,7 +125,7 @@
 
 <file path=ppt/commentAuthors.xml><?xml version="1.0" encoding="utf-8"?>
 <p:cmAuthorLst xmlns:a="http://schemas.openxmlformats.org/drawingml/2006/main" xmlns:r="http://schemas.openxmlformats.org/officeDocument/2006/relationships" xmlns:p="http://schemas.openxmlformats.org/presentationml/2006/main">
-  <p:cmAuthor id="1" name="이해니" initials="이" lastIdx="2" clrIdx="0">
+  <p:cmAuthor id="1" name="이해니" initials="이" lastIdx="3" clrIdx="0">
     <p:extLst>
       <p:ext uri="{19B8F6BF-5375-455C-9EA6-DF929625EA0E}">
         <p15:presenceInfo xmlns:p15="http://schemas.microsoft.com/office/powerpoint/2012/main" userId="S::2160340104@student.kopo.ac.kr::92c8feed-9ce2-4ced-8e7d-606742c3d44a" providerId="AD"/>
@@ -146,7 +147,22 @@
 <file path=ppt/comments/comment1.xml><?xml version="1.0" encoding="utf-8"?>
 <p:cmLst xmlns:a="http://schemas.openxmlformats.org/drawingml/2006/main" xmlns:r="http://schemas.openxmlformats.org/officeDocument/2006/relationships" xmlns:p="http://schemas.openxmlformats.org/presentationml/2006/main">
   <p:cm authorId="1" dt="2021-07-06T11:34:09.550" idx="1">
-    <p:pos x="2833" y="859"/>
+    <p:pos x="1369" y="589"/>
+    <p:text>code data : 상품 코드 등
+history data : 이력</p:text>
+    <p:extLst>
+      <p:ext uri="{C676402C-5697-4E1C-873F-D02D1690AC5C}">
+        <p15:threadingInfo xmlns:p15="http://schemas.microsoft.com/office/powerpoint/2012/main" timeZoneBias="-540"/>
+      </p:ext>
+    </p:extLst>
+  </p:cm>
+</p:cmLst>
+</file>
+
+<file path=ppt/comments/comment2.xml><?xml version="1.0" encoding="utf-8"?>
+<p:cmLst xmlns:a="http://schemas.openxmlformats.org/drawingml/2006/main" xmlns:r="http://schemas.openxmlformats.org/officeDocument/2006/relationships" xmlns:p="http://schemas.openxmlformats.org/presentationml/2006/main">
+  <p:cm authorId="1" dt="2021-07-06T11:34:09.550" idx="3">
+    <p:pos x="1443" y="695"/>
     <p:text>code data : 상품 코드 등
 history data : 이력</p:text>
     <p:extLst>
@@ -9606,9 +9622,9 @@
         <p:grpSpPr>
           <a:xfrm>
             <a:off x="-3496" y="18355"/>
-            <a:ext cx="4845049" cy="1119926"/>
+            <a:ext cx="4154905" cy="1119926"/>
             <a:chOff x="-31489" y="18355"/>
-            <a:chExt cx="4845049" cy="1119926"/>
+            <a:chExt cx="4154905" cy="1119926"/>
           </a:xfrm>
         </p:grpSpPr>
         <p:cxnSp>
@@ -9667,9 +9683,9 @@
           <p:grpSpPr>
             <a:xfrm>
               <a:off x="74762" y="18355"/>
-              <a:ext cx="4738798" cy="1119926"/>
+              <a:ext cx="3680816" cy="1119926"/>
               <a:chOff x="565885" y="1076559"/>
-              <a:chExt cx="4738798" cy="1119926"/>
+              <a:chExt cx="3680816" cy="1119926"/>
             </a:xfrm>
           </p:grpSpPr>
           <p:sp>
@@ -9687,7 +9703,7 @@
             <p:spPr>
               <a:xfrm>
                 <a:off x="565885" y="1076559"/>
-                <a:ext cx="4738798" cy="646331"/>
+                <a:ext cx="3680816" cy="646331"/>
               </a:xfrm>
               <a:prstGeom prst="rect">
                 <a:avLst/>
@@ -9806,8 +9822,19 @@
                     <a:latin typeface="HY헤드라인M" panose="02030600000101010101" pitchFamily="18" charset="-127"/>
                     <a:ea typeface="HY헤드라인M" panose="02030600000101010101" pitchFamily="18" charset="-127"/>
                   </a:rPr>
-                  <a:t>프로젝트 주요기능</a:t>
+                  <a:t>프로젝트 </a:t>
                 </a:r>
+                <a:r>
+                  <a:rPr lang="en-US" altLang="ko-KR" sz="3600" b="1" dirty="0">
+                    <a:latin typeface="HY헤드라인M" panose="02030600000101010101" pitchFamily="18" charset="-127"/>
+                    <a:ea typeface="HY헤드라인M" panose="02030600000101010101" pitchFamily="18" charset="-127"/>
+                  </a:rPr>
+                  <a:t>ERD</a:t>
+                </a:r>
+                <a:endParaRPr lang="ko-KR" altLang="en-US" sz="3600" b="1" dirty="0">
+                  <a:latin typeface="HY헤드라인M" panose="02030600000101010101" pitchFamily="18" charset="-127"/>
+                  <a:ea typeface="HY헤드라인M" panose="02030600000101010101" pitchFamily="18" charset="-127"/>
+                </a:endParaRPr>
               </a:p>
             </p:txBody>
           </p:sp>
@@ -9974,14 +10001,14 @@
           <p:nvPr>
             <p:extLst>
               <p:ext uri="{D42A27DB-BD31-4B8C-83A1-F6EECF244321}">
-                <p14:modId xmlns:p14="http://schemas.microsoft.com/office/powerpoint/2010/main" val="2523158224"/>
+                <p14:modId xmlns:p14="http://schemas.microsoft.com/office/powerpoint/2010/main" val="1289292436"/>
               </p:ext>
             </p:extLst>
           </p:nvPr>
         </p:nvGraphicFramePr>
         <p:xfrm>
           <a:off x="5990888" y="51276"/>
-          <a:ext cx="6096000" cy="1483360"/>
+          <a:ext cx="5174859" cy="853440"/>
         </p:xfrm>
         <a:graphic>
           <a:graphicData uri="http://schemas.openxmlformats.org/drawingml/2006/table">
@@ -9990,21 +10017,21 @@
                 <a:tableStyleId>{5C22544A-7EE6-4342-B048-85BDC9FD1C3A}</a:tableStyleId>
               </a:tblPr>
               <a:tblGrid>
-                <a:gridCol w="2032000">
+                <a:gridCol w="1724953">
                   <a:extLst>
                     <a:ext uri="{9D8B030D-6E8A-4147-A177-3AD203B41FA5}">
                       <a16:colId xmlns:a16="http://schemas.microsoft.com/office/drawing/2014/main" val="4170420863"/>
                     </a:ext>
                   </a:extLst>
                 </a:gridCol>
-                <a:gridCol w="2032000">
+                <a:gridCol w="1724953">
                   <a:extLst>
                     <a:ext uri="{9D8B030D-6E8A-4147-A177-3AD203B41FA5}">
                       <a16:colId xmlns:a16="http://schemas.microsoft.com/office/drawing/2014/main" val="2961652570"/>
                     </a:ext>
                   </a:extLst>
                 </a:gridCol>
-                <a:gridCol w="2032000">
+                <a:gridCol w="1724953">
                   <a:extLst>
                     <a:ext uri="{9D8B030D-6E8A-4147-A177-3AD203B41FA5}">
                       <a16:colId xmlns:a16="http://schemas.microsoft.com/office/drawing/2014/main" val="3684166858"/>
@@ -10012,7 +10039,7 @@
                   </a:extLst>
                 </a:gridCol>
               </a:tblGrid>
-              <a:tr h="370840">
+              <a:tr h="127696">
                 <a:tc>
                   <a:txBody>
                     <a:bodyPr/>
@@ -10020,10 +10047,10 @@
                     <a:p>
                       <a:pPr latinLnBrk="1"/>
                       <a:r>
-                        <a:rPr lang="en-US" altLang="ko-KR" dirty="0"/>
+                        <a:rPr lang="en-US" altLang="ko-KR" sz="800" dirty="0"/>
                         <a:t>ERD</a:t>
                       </a:r>
-                      <a:endParaRPr lang="ko-KR" altLang="en-US" dirty="0"/>
+                      <a:endParaRPr lang="ko-KR" altLang="en-US" sz="800" dirty="0"/>
                     </a:p>
                   </a:txBody>
                   <a:tcPr/>
@@ -10035,7 +10062,7 @@
                     <a:p>
                       <a:pPr latinLnBrk="1"/>
                       <a:r>
-                        <a:rPr lang="ko-KR" altLang="en-US" dirty="0"/>
+                        <a:rPr lang="ko-KR" altLang="en-US" sz="800" dirty="0"/>
                         <a:t>개념</a:t>
                       </a:r>
                     </a:p>
@@ -10049,10 +10076,10 @@
                     <a:p>
                       <a:pPr latinLnBrk="1"/>
                       <a:r>
-                        <a:rPr lang="en-US" altLang="ko-KR" dirty="0"/>
+                        <a:rPr lang="en-US" altLang="ko-KR" sz="800" dirty="0"/>
                         <a:t>RDBMS</a:t>
                       </a:r>
-                      <a:endParaRPr lang="ko-KR" altLang="en-US" dirty="0"/>
+                      <a:endParaRPr lang="ko-KR" altLang="en-US" sz="800" dirty="0"/>
                     </a:p>
                   </a:txBody>
                   <a:tcPr/>
@@ -10063,7 +10090,7 @@
                   </a:ext>
                 </a:extLst>
               </a:tr>
-              <a:tr h="370840">
+              <a:tr h="127696">
                 <a:tc>
                   <a:txBody>
                     <a:bodyPr/>
@@ -10071,10 +10098,10 @@
                     <a:p>
                       <a:pPr latinLnBrk="1"/>
                       <a:r>
-                        <a:rPr lang="en-US" altLang="ko-KR" dirty="0"/>
+                        <a:rPr lang="en-US" altLang="ko-KR" sz="800" dirty="0"/>
                         <a:t>Entity</a:t>
                       </a:r>
-                      <a:endParaRPr lang="ko-KR" altLang="en-US" dirty="0"/>
+                      <a:endParaRPr lang="ko-KR" altLang="en-US" sz="800" dirty="0"/>
                     </a:p>
                   </a:txBody>
                   <a:tcPr/>
@@ -10086,7 +10113,7 @@
                     <a:p>
                       <a:pPr latinLnBrk="1"/>
                       <a:r>
-                        <a:rPr lang="ko-KR" altLang="en-US" dirty="0"/>
+                        <a:rPr lang="ko-KR" altLang="en-US" sz="800" dirty="0"/>
                         <a:t>대상</a:t>
                       </a:r>
                     </a:p>
@@ -10100,10 +10127,10 @@
                     <a:p>
                       <a:pPr latinLnBrk="1"/>
                       <a:r>
-                        <a:rPr lang="en-US" altLang="ko-KR" dirty="0"/>
+                        <a:rPr lang="en-US" altLang="ko-KR" sz="800" dirty="0"/>
                         <a:t>Table</a:t>
                       </a:r>
-                      <a:endParaRPr lang="ko-KR" altLang="en-US" dirty="0"/>
+                      <a:endParaRPr lang="ko-KR" altLang="en-US" sz="800" dirty="0"/>
                     </a:p>
                   </a:txBody>
                   <a:tcPr/>
@@ -10114,7 +10141,7 @@
                   </a:ext>
                 </a:extLst>
               </a:tr>
-              <a:tr h="370840">
+              <a:tr h="127696">
                 <a:tc>
                   <a:txBody>
                     <a:bodyPr/>
@@ -10122,10 +10149,10 @@
                     <a:p>
                       <a:pPr latinLnBrk="1"/>
                       <a:r>
-                        <a:rPr lang="en-US" altLang="ko-KR" dirty="0"/>
+                        <a:rPr lang="en-US" altLang="ko-KR" sz="800" dirty="0"/>
                         <a:t>Attribute</a:t>
                       </a:r>
-                      <a:endParaRPr lang="ko-KR" altLang="en-US" dirty="0"/>
+                      <a:endParaRPr lang="ko-KR" altLang="en-US" sz="800" dirty="0"/>
                     </a:p>
                   </a:txBody>
                   <a:tcPr/>
@@ -10137,7 +10164,7 @@
                     <a:p>
                       <a:pPr latinLnBrk="1"/>
                       <a:r>
-                        <a:rPr lang="ko-KR" altLang="en-US" dirty="0"/>
+                        <a:rPr lang="ko-KR" altLang="en-US" sz="800" dirty="0"/>
                         <a:t>쪼갤 수 없는 단위</a:t>
                       </a:r>
                     </a:p>
@@ -10151,10 +10178,10 @@
                     <a:p>
                       <a:pPr latinLnBrk="1"/>
                       <a:r>
-                        <a:rPr lang="en-US" altLang="ko-KR" dirty="0"/>
+                        <a:rPr lang="en-US" altLang="ko-KR" sz="800" dirty="0"/>
                         <a:t>Column</a:t>
                       </a:r>
-                      <a:endParaRPr lang="ko-KR" altLang="en-US" dirty="0"/>
+                      <a:endParaRPr lang="ko-KR" altLang="en-US" sz="800" dirty="0"/>
                     </a:p>
                   </a:txBody>
                   <a:tcPr/>
@@ -10165,7 +10192,7 @@
                   </a:ext>
                 </a:extLst>
               </a:tr>
-              <a:tr h="370840">
+              <a:tr h="127696">
                 <a:tc>
                   <a:txBody>
                     <a:bodyPr/>
@@ -10173,10 +10200,10 @@
                     <a:p>
                       <a:pPr latinLnBrk="1"/>
                       <a:r>
-                        <a:rPr lang="en-US" altLang="ko-KR" dirty="0"/>
+                        <a:rPr lang="en-US" altLang="ko-KR" sz="800" dirty="0"/>
                         <a:t>Relationship</a:t>
                       </a:r>
-                      <a:endParaRPr lang="ko-KR" altLang="en-US" dirty="0"/>
+                      <a:endParaRPr lang="ko-KR" altLang="en-US" sz="800" dirty="0"/>
                     </a:p>
                   </a:txBody>
                   <a:tcPr/>
@@ -10188,15 +10215,15 @@
                     <a:p>
                       <a:pPr latinLnBrk="1"/>
                       <a:r>
-                        <a:rPr lang="ko-KR" altLang="en-US" dirty="0"/>
+                        <a:rPr lang="ko-KR" altLang="en-US" sz="800" dirty="0"/>
                         <a:t>연관성</a:t>
                       </a:r>
                       <a:r>
-                        <a:rPr lang="en-US" altLang="ko-KR" dirty="0"/>
+                        <a:rPr lang="en-US" altLang="ko-KR" sz="800" dirty="0"/>
                         <a:t>, </a:t>
                       </a:r>
                       <a:r>
-                        <a:rPr lang="ko-KR" altLang="en-US" dirty="0"/>
+                        <a:rPr lang="ko-KR" altLang="en-US" sz="800" dirty="0"/>
                         <a:t>관계</a:t>
                       </a:r>
                     </a:p>
@@ -10210,10 +10237,10 @@
                     <a:p>
                       <a:pPr latinLnBrk="1"/>
                       <a:r>
-                        <a:rPr lang="en-US" altLang="ko-KR" dirty="0"/>
+                        <a:rPr lang="en-US" altLang="ko-KR" sz="800" dirty="0"/>
                         <a:t>F.K</a:t>
                       </a:r>
-                      <a:endParaRPr lang="ko-KR" altLang="en-US" dirty="0"/>
+                      <a:endParaRPr lang="ko-KR" altLang="en-US" sz="800" dirty="0"/>
                     </a:p>
                   </a:txBody>
                   <a:tcPr/>
@@ -10372,14 +10399,14 @@
           <p:nvPr>
             <p:extLst>
               <p:ext uri="{D42A27DB-BD31-4B8C-83A1-F6EECF244321}">
-                <p14:modId xmlns:p14="http://schemas.microsoft.com/office/powerpoint/2010/main" val="3541418346"/>
+                <p14:modId xmlns:p14="http://schemas.microsoft.com/office/powerpoint/2010/main" val="2734846177"/>
               </p:ext>
             </p:extLst>
           </p:nvPr>
         </p:nvGraphicFramePr>
         <p:xfrm>
-          <a:off x="3958888" y="1695490"/>
-          <a:ext cx="8128000" cy="4739640"/>
+          <a:off x="414426" y="946347"/>
+          <a:ext cx="11258741" cy="5699851"/>
         </p:xfrm>
         <a:graphic>
           <a:graphicData uri="http://schemas.openxmlformats.org/drawingml/2006/table">
@@ -10388,35 +10415,35 @@
                 <a:tableStyleId>{5C22544A-7EE6-4342-B048-85BDC9FD1C3A}</a:tableStyleId>
               </a:tblPr>
               <a:tblGrid>
-                <a:gridCol w="367404">
+                <a:gridCol w="508920">
                   <a:extLst>
                     <a:ext uri="{9D8B030D-6E8A-4147-A177-3AD203B41FA5}">
                       <a16:colId xmlns:a16="http://schemas.microsoft.com/office/drawing/2014/main" val="3479680749"/>
                     </a:ext>
                   </a:extLst>
                 </a:gridCol>
-                <a:gridCol w="1940149">
+                <a:gridCol w="1922358">
                   <a:extLst>
                     <a:ext uri="{9D8B030D-6E8A-4147-A177-3AD203B41FA5}">
                       <a16:colId xmlns:a16="http://schemas.microsoft.com/office/drawing/2014/main" val="191704392"/>
                     </a:ext>
                   </a:extLst>
                 </a:gridCol>
-                <a:gridCol w="1940149">
+                <a:gridCol w="2479134">
                   <a:extLst>
                     <a:ext uri="{9D8B030D-6E8A-4147-A177-3AD203B41FA5}">
                       <a16:colId xmlns:a16="http://schemas.microsoft.com/office/drawing/2014/main" val="582628319"/>
                     </a:ext>
                   </a:extLst>
                 </a:gridCol>
-                <a:gridCol w="1940149">
+                <a:gridCol w="3660874">
                   <a:extLst>
                     <a:ext uri="{9D8B030D-6E8A-4147-A177-3AD203B41FA5}">
                       <a16:colId xmlns:a16="http://schemas.microsoft.com/office/drawing/2014/main" val="927414362"/>
                     </a:ext>
                   </a:extLst>
                 </a:gridCol>
-                <a:gridCol w="1940149">
+                <a:gridCol w="2687455">
                   <a:extLst>
                     <a:ext uri="{9D8B030D-6E8A-4147-A177-3AD203B41FA5}">
                       <a16:colId xmlns:a16="http://schemas.microsoft.com/office/drawing/2014/main" val="2944193007"/>
@@ -10424,14 +10451,14 @@
                   </a:extLst>
                 </a:gridCol>
               </a:tblGrid>
-              <a:tr h="370840">
+              <a:tr h="445804">
                 <a:tc>
                   <a:txBody>
                     <a:bodyPr/>
                     <a:lstStyle/>
                     <a:p>
                       <a:pPr algn="ctr" latinLnBrk="1"/>
-                      <a:endParaRPr lang="ko-KR" altLang="en-US" sz="1000" dirty="0"/>
+                      <a:endParaRPr lang="ko-KR" altLang="en-US" sz="800" dirty="0"/>
                     </a:p>
                   </a:txBody>
                   <a:tcPr anchor="ctr"/>
@@ -10443,14 +10470,25 @@
                     <a:p>
                       <a:pPr algn="ctr" latinLnBrk="1"/>
                       <a:r>
-                        <a:rPr lang="ko-KR" altLang="en-US" sz="1000" dirty="0"/>
+                        <a:rPr lang="ko-KR" altLang="en-US" sz="800" dirty="0"/>
                         <a:t>구분</a:t>
                       </a:r>
-                      <a:r>
-                        <a:rPr lang="en-US" altLang="ko-KR" sz="1000" dirty="0"/>
-                        <a:t>(Code data/History data)</a:t>
-                      </a:r>
-                      <a:endParaRPr lang="ko-KR" altLang="en-US" sz="1000" dirty="0"/>
+                      <a:endParaRPr lang="en-US" altLang="ko-KR" sz="800" dirty="0"/>
+                    </a:p>
+                    <a:p>
+                      <a:pPr algn="ctr" latinLnBrk="1"/>
+                      <a:r>
+                        <a:rPr lang="en-US" altLang="ko-KR" sz="800" dirty="0"/>
+                        <a:t>(Code data/</a:t>
+                      </a:r>
+                    </a:p>
+                    <a:p>
+                      <a:pPr algn="ctr" latinLnBrk="1"/>
+                      <a:r>
+                        <a:rPr lang="en-US" altLang="ko-KR" sz="800" dirty="0"/>
+                        <a:t>History data)</a:t>
+                      </a:r>
+                      <a:endParaRPr lang="ko-KR" altLang="en-US" sz="800" dirty="0"/>
                     </a:p>
                   </a:txBody>
                   <a:tcPr anchor="ctr"/>
@@ -10462,10 +10500,10 @@
                     <a:p>
                       <a:pPr algn="ctr" latinLnBrk="1"/>
                       <a:r>
-                        <a:rPr lang="en-US" altLang="ko-KR" sz="1000" dirty="0"/>
+                        <a:rPr lang="en-US" altLang="ko-KR" sz="800" dirty="0"/>
                         <a:t>Entity</a:t>
                       </a:r>
-                      <a:endParaRPr lang="ko-KR" altLang="en-US" sz="1000" dirty="0"/>
+                      <a:endParaRPr lang="ko-KR" altLang="en-US" sz="800" dirty="0"/>
                     </a:p>
                   </a:txBody>
                   <a:tcPr anchor="ctr"/>
@@ -10477,10 +10515,10 @@
                     <a:p>
                       <a:pPr algn="ctr" latinLnBrk="1"/>
                       <a:r>
-                        <a:rPr lang="en-US" altLang="ko-KR" sz="1000" dirty="0"/>
+                        <a:rPr lang="en-US" altLang="ko-KR" sz="800" dirty="0"/>
                         <a:t>Attribute</a:t>
                       </a:r>
-                      <a:endParaRPr lang="ko-KR" altLang="en-US" sz="1000" dirty="0"/>
+                      <a:endParaRPr lang="ko-KR" altLang="en-US" sz="800" dirty="0"/>
                     </a:p>
                   </a:txBody>
                   <a:tcPr anchor="ctr"/>
@@ -10492,10 +10530,10 @@
                     <a:p>
                       <a:pPr algn="ctr" latinLnBrk="1"/>
                       <a:r>
-                        <a:rPr lang="en-US" altLang="ko-KR" sz="1000" dirty="0"/>
+                        <a:rPr lang="en-US" altLang="ko-KR" sz="800" dirty="0"/>
                         <a:t>Relationship</a:t>
                       </a:r>
-                      <a:endParaRPr lang="ko-KR" altLang="en-US" sz="1000" dirty="0"/>
+                      <a:endParaRPr lang="ko-KR" altLang="en-US" sz="800" dirty="0"/>
                     </a:p>
                   </a:txBody>
                   <a:tcPr anchor="ctr"/>
@@ -10506,7 +10544,7 @@
                   </a:ext>
                 </a:extLst>
               </a:tr>
-              <a:tr h="370840">
+              <a:tr h="569639">
                 <a:tc>
                   <a:txBody>
                     <a:bodyPr/>
@@ -10514,10 +10552,10 @@
                     <a:p>
                       <a:pPr algn="ctr" latinLnBrk="1"/>
                       <a:r>
-                        <a:rPr lang="en-US" altLang="ko-KR" sz="1000" dirty="0"/>
+                        <a:rPr lang="en-US" altLang="ko-KR" sz="800" dirty="0"/>
                         <a:t>1</a:t>
                       </a:r>
-                      <a:endParaRPr lang="ko-KR" altLang="en-US" sz="1000" dirty="0"/>
+                      <a:endParaRPr lang="ko-KR" altLang="en-US" sz="800" dirty="0"/>
                     </a:p>
                   </a:txBody>
                   <a:tcPr anchor="ctr"/>
@@ -10528,7 +10566,7 @@
                     <a:lstStyle/>
                     <a:p>
                       <a:pPr algn="ctr" latinLnBrk="1"/>
-                      <a:endParaRPr lang="ko-KR" altLang="en-US" sz="1000" dirty="0"/>
+                      <a:endParaRPr lang="ko-KR" altLang="en-US" sz="800" dirty="0"/>
                     </a:p>
                   </a:txBody>
                   <a:tcPr anchor="ctr"/>
@@ -10540,7 +10578,7 @@
                     <a:p>
                       <a:pPr algn="ctr" latinLnBrk="1"/>
                       <a:r>
-                        <a:rPr lang="ko-KR" altLang="en-US" sz="1000" dirty="0"/>
+                        <a:rPr lang="ko-KR" altLang="en-US" sz="800" dirty="0"/>
                         <a:t>회원</a:t>
                       </a:r>
                     </a:p>
@@ -10552,46 +10590,58 @@
                     <a:bodyPr/>
                     <a:lstStyle/>
                     <a:p>
+                      <a:pPr marL="171450" indent="-171450" algn="l" latinLnBrk="1">
+                        <a:buFont typeface="Arial" panose="020B0604020202020204" pitchFamily="34" charset="0"/>
+                        <a:buChar char="•"/>
+                      </a:pPr>
+                      <a:r>
+                        <a:rPr lang="ko-KR" altLang="en-US" sz="800" dirty="0"/>
+                        <a:t>아이디</a:t>
+                      </a:r>
+                      <a:endParaRPr lang="en-US" altLang="ko-KR" sz="800" dirty="0"/>
+                    </a:p>
+                    <a:p>
+                      <a:pPr marL="171450" indent="-171450" algn="l" latinLnBrk="1">
+                        <a:buFont typeface="Arial" panose="020B0604020202020204" pitchFamily="34" charset="0"/>
+                        <a:buChar char="•"/>
+                      </a:pPr>
+                      <a:r>
+                        <a:rPr lang="ko-KR" altLang="en-US" sz="800" dirty="0"/>
+                        <a:t>비밀번호</a:t>
+                      </a:r>
+                      <a:endParaRPr lang="en-US" altLang="ko-KR" sz="800" dirty="0"/>
+                    </a:p>
+                    <a:p>
+                      <a:pPr marL="171450" indent="-171450" algn="l" latinLnBrk="1">
+                        <a:buFont typeface="Arial" panose="020B0604020202020204" pitchFamily="34" charset="0"/>
+                        <a:buChar char="•"/>
+                      </a:pPr>
+                      <a:r>
+                        <a:rPr lang="ko-KR" altLang="en-US" sz="800" dirty="0"/>
+                        <a:t>가입일</a:t>
+                      </a:r>
+                      <a:endParaRPr lang="en-US" altLang="ko-KR" sz="800" dirty="0"/>
+                    </a:p>
+                    <a:p>
+                      <a:pPr marL="171450" indent="-171450" algn="l" latinLnBrk="1">
+                        <a:buFont typeface="Arial" panose="020B0604020202020204" pitchFamily="34" charset="0"/>
+                        <a:buChar char="•"/>
+                      </a:pPr>
+                      <a:r>
+                        <a:rPr lang="ko-KR" altLang="en-US" sz="800" dirty="0"/>
+                        <a:t>유형</a:t>
+                      </a:r>
+                    </a:p>
+                  </a:txBody>
+                  <a:tcPr anchor="ctr"/>
+                </a:tc>
+                <a:tc>
+                  <a:txBody>
+                    <a:bodyPr/>
+                    <a:lstStyle/>
+                    <a:p>
                       <a:pPr algn="ctr" latinLnBrk="1"/>
-                      <a:r>
-                        <a:rPr lang="ko-KR" altLang="en-US" sz="1000" dirty="0"/>
-                        <a:t>아이디</a:t>
-                      </a:r>
-                      <a:r>
-                        <a:rPr lang="en-US" altLang="ko-KR" sz="1000" dirty="0"/>
-                        <a:t>, </a:t>
-                      </a:r>
-                      <a:r>
-                        <a:rPr lang="ko-KR" altLang="en-US" sz="1000" dirty="0"/>
-                        <a:t>비밀번호</a:t>
-                      </a:r>
-                      <a:r>
-                        <a:rPr lang="en-US" altLang="ko-KR" sz="1000" dirty="0"/>
-                        <a:t>, </a:t>
-                      </a:r>
-                      <a:r>
-                        <a:rPr lang="ko-KR" altLang="en-US" sz="1000" dirty="0"/>
-                        <a:t>가입일</a:t>
-                      </a:r>
-                      <a:r>
-                        <a:rPr lang="en-US" altLang="ko-KR" sz="1000" dirty="0"/>
-                        <a:t>, </a:t>
-                      </a:r>
-                      <a:r>
-                        <a:rPr lang="ko-KR" altLang="en-US" sz="1000" dirty="0"/>
-                        <a:t>유형</a:t>
-                      </a:r>
-                    </a:p>
-                  </a:txBody>
-                  <a:tcPr anchor="ctr"/>
-                </a:tc>
-                <a:tc>
-                  <a:txBody>
-                    <a:bodyPr/>
-                    <a:lstStyle/>
-                    <a:p>
-                      <a:pPr algn="ctr" latinLnBrk="1"/>
-                      <a:endParaRPr lang="ko-KR" altLang="en-US" sz="1000" dirty="0"/>
+                      <a:endParaRPr lang="ko-KR" altLang="en-US" sz="800" dirty="0"/>
                     </a:p>
                   </a:txBody>
                   <a:tcPr anchor="ctr"/>
@@ -10602,7 +10652,7 @@
                   </a:ext>
                 </a:extLst>
               </a:tr>
-              <a:tr h="370840">
+              <a:tr h="1188811">
                 <a:tc>
                   <a:txBody>
                     <a:bodyPr/>
@@ -10610,10 +10660,10 @@
                     <a:p>
                       <a:pPr algn="ctr" latinLnBrk="1"/>
                       <a:r>
-                        <a:rPr lang="en-US" altLang="ko-KR" sz="1000" dirty="0"/>
+                        <a:rPr lang="en-US" altLang="ko-KR" sz="800" dirty="0"/>
                         <a:t>2</a:t>
                       </a:r>
-                      <a:endParaRPr lang="ko-KR" altLang="en-US" sz="1000" dirty="0"/>
+                      <a:endParaRPr lang="ko-KR" altLang="en-US" sz="800" dirty="0"/>
                     </a:p>
                   </a:txBody>
                   <a:tcPr anchor="ctr"/>
@@ -10624,7 +10674,7 @@
                     <a:lstStyle/>
                     <a:p>
                       <a:pPr algn="ctr" latinLnBrk="1"/>
-                      <a:endParaRPr lang="ko-KR" altLang="en-US" sz="1000" dirty="0"/>
+                      <a:endParaRPr lang="ko-KR" altLang="en-US" sz="800" dirty="0"/>
                     </a:p>
                   </a:txBody>
                   <a:tcPr anchor="ctr"/>
@@ -10636,7 +10686,7 @@
                     <a:p>
                       <a:pPr algn="ctr" latinLnBrk="1"/>
                       <a:r>
-                        <a:rPr lang="ko-KR" altLang="en-US" sz="1000" dirty="0"/>
+                        <a:rPr lang="ko-KR" altLang="en-US" sz="800" dirty="0"/>
                         <a:t>방송</a:t>
                       </a:r>
                     </a:p>
@@ -10648,107 +10698,122 @@
                     <a:bodyPr/>
                     <a:lstStyle/>
                     <a:p>
+                      <a:pPr marL="171450" indent="-171450" algn="l" latinLnBrk="1">
+                        <a:buFont typeface="Arial" panose="020B0604020202020204" pitchFamily="34" charset="0"/>
+                        <a:buChar char="•"/>
+                      </a:pPr>
+                      <a:r>
+                        <a:rPr lang="ko-KR" altLang="en-US" sz="800" dirty="0"/>
+                        <a:t>시퀀스</a:t>
+                      </a:r>
+                      <a:endParaRPr lang="en-US" altLang="ko-KR" sz="800" dirty="0"/>
+                    </a:p>
+                    <a:p>
+                      <a:pPr marL="171450" indent="-171450" algn="l" latinLnBrk="1">
+                        <a:buFont typeface="Arial" panose="020B0604020202020204" pitchFamily="34" charset="0"/>
+                        <a:buChar char="•"/>
+                      </a:pPr>
+                      <a:r>
+                        <a:rPr lang="ko-KR" altLang="en-US" sz="800" dirty="0"/>
+                        <a:t>방송시작 일자</a:t>
+                      </a:r>
+                      <a:r>
+                        <a:rPr lang="en-US" altLang="ko-KR" sz="800" dirty="0"/>
+                        <a:t>/</a:t>
+                      </a:r>
+                      <a:r>
+                        <a:rPr lang="ko-KR" altLang="en-US" sz="800" dirty="0"/>
+                        <a:t>시간</a:t>
+                      </a:r>
+                      <a:endParaRPr lang="en-US" altLang="ko-KR" sz="800" dirty="0"/>
+                    </a:p>
+                    <a:p>
+                      <a:pPr marL="171450" indent="-171450" algn="l" latinLnBrk="1">
+                        <a:buFont typeface="Arial" panose="020B0604020202020204" pitchFamily="34" charset="0"/>
+                        <a:buChar char="•"/>
+                      </a:pPr>
+                      <a:r>
+                        <a:rPr lang="ko-KR" altLang="en-US" sz="800" dirty="0"/>
+                        <a:t>제목</a:t>
+                      </a:r>
+                      <a:endParaRPr lang="en-US" altLang="ko-KR" sz="800" dirty="0"/>
+                    </a:p>
+                    <a:p>
+                      <a:pPr marL="171450" indent="-171450" algn="l" latinLnBrk="1">
+                        <a:buFont typeface="Arial" panose="020B0604020202020204" pitchFamily="34" charset="0"/>
+                        <a:buChar char="•"/>
+                      </a:pPr>
+                      <a:r>
+                        <a:rPr lang="ko-KR" altLang="en-US" sz="800" dirty="0"/>
+                        <a:t>소개</a:t>
+                      </a:r>
+                      <a:endParaRPr lang="en-US" altLang="ko-KR" sz="800" dirty="0"/>
+                    </a:p>
+                    <a:p>
+                      <a:pPr marL="171450" indent="-171450" algn="l" latinLnBrk="1">
+                        <a:buFont typeface="Arial" panose="020B0604020202020204" pitchFamily="34" charset="0"/>
+                        <a:buChar char="•"/>
+                      </a:pPr>
+                      <a:r>
+                        <a:rPr lang="ko-KR" altLang="en-US" sz="800" dirty="0"/>
+                        <a:t>판매자</a:t>
+                      </a:r>
+                      <a:endParaRPr lang="en-US" altLang="ko-KR" sz="800" dirty="0"/>
+                    </a:p>
+                    <a:p>
+                      <a:pPr marL="171450" indent="-171450" algn="l" latinLnBrk="1">
+                        <a:buFont typeface="Arial" panose="020B0604020202020204" pitchFamily="34" charset="0"/>
+                        <a:buChar char="•"/>
+                      </a:pPr>
+                      <a:r>
+                        <a:rPr lang="ko-KR" altLang="en-US" sz="800" dirty="0"/>
+                        <a:t>판매 상품</a:t>
+                      </a:r>
+                      <a:endParaRPr lang="en-US" altLang="ko-KR" sz="800" dirty="0"/>
+                    </a:p>
+                    <a:p>
+                      <a:pPr marL="171450" indent="-171450" algn="l" latinLnBrk="1">
+                        <a:buFont typeface="Arial" panose="020B0604020202020204" pitchFamily="34" charset="0"/>
+                        <a:buChar char="•"/>
+                      </a:pPr>
+                      <a:r>
+                        <a:rPr lang="ko-KR" altLang="en-US" sz="800" dirty="0"/>
+                        <a:t>실시간 채팅 시퀀스</a:t>
+                      </a:r>
+                      <a:endParaRPr lang="en-US" altLang="ko-KR" sz="800" dirty="0"/>
+                    </a:p>
+                    <a:p>
+                      <a:pPr marL="171450" indent="-171450" algn="l" latinLnBrk="1">
+                        <a:buFont typeface="Arial" panose="020B0604020202020204" pitchFamily="34" charset="0"/>
+                        <a:buChar char="•"/>
+                      </a:pPr>
+                      <a:r>
+                        <a:rPr lang="ko-KR" altLang="en-US" sz="800" dirty="0"/>
+                        <a:t>좋아요</a:t>
+                      </a:r>
+                      <a:endParaRPr lang="en-US" altLang="ko-KR" sz="800" dirty="0"/>
+                    </a:p>
+                    <a:p>
+                      <a:pPr marL="171450" indent="-171450" algn="l" latinLnBrk="1">
+                        <a:buFont typeface="Arial" panose="020B0604020202020204" pitchFamily="34" charset="0"/>
+                        <a:buChar char="•"/>
+                      </a:pPr>
+                      <a:r>
+                        <a:rPr lang="ko-KR" altLang="en-US" sz="800" dirty="0"/>
+                        <a:t>싫어요</a:t>
+                      </a:r>
+                      <a:endParaRPr lang="en-US" altLang="ko-KR" sz="800" dirty="0"/>
+                    </a:p>
+                  </a:txBody>
+                  <a:tcPr anchor="ctr"/>
+                </a:tc>
+                <a:tc>
+                  <a:txBody>
+                    <a:bodyPr/>
+                    <a:lstStyle/>
+                    <a:p>
                       <a:pPr algn="ctr" latinLnBrk="1"/>
-                      <a:r>
-                        <a:rPr lang="ko-KR" altLang="en-US" sz="1000" dirty="0"/>
-                        <a:t>시퀀스</a:t>
-                      </a:r>
-                      <a:r>
-                        <a:rPr lang="en-US" altLang="ko-KR" sz="1000" dirty="0"/>
-                        <a:t>, </a:t>
-                      </a:r>
-                      <a:r>
-                        <a:rPr lang="ko-KR" altLang="en-US" sz="1000" dirty="0"/>
-                        <a:t>방송예정일</a:t>
-                      </a:r>
-                      <a:r>
-                        <a:rPr lang="en-US" altLang="ko-KR" sz="1000" dirty="0"/>
-                        <a:t>, </a:t>
-                      </a:r>
-                      <a:r>
-                        <a:rPr lang="ko-KR" altLang="en-US" sz="1000" dirty="0"/>
-                        <a:t>제목</a:t>
-                      </a:r>
-                      <a:r>
-                        <a:rPr lang="en-US" altLang="ko-KR" sz="1000" dirty="0"/>
-                        <a:t>, </a:t>
-                      </a:r>
-                      <a:r>
-                        <a:rPr lang="ko-KR" altLang="en-US" sz="1000" dirty="0"/>
-                        <a:t>소개</a:t>
-                      </a:r>
-                      <a:r>
-                        <a:rPr lang="en-US" altLang="ko-KR" sz="1000" dirty="0"/>
-                        <a:t>, </a:t>
-                      </a:r>
-                      <a:r>
-                        <a:rPr lang="ko-KR" altLang="en-US" sz="1000" dirty="0"/>
-                        <a:t>판매자</a:t>
-                      </a:r>
-                      <a:endParaRPr lang="en-US" altLang="ko-KR" sz="1000" dirty="0"/>
-                    </a:p>
-                    <a:p>
-                      <a:pPr algn="ctr" latinLnBrk="1"/>
-                      <a:r>
-                        <a:rPr lang="en-US" altLang="ko-KR" sz="1000" dirty="0"/>
-                        <a:t>, </a:t>
-                      </a:r>
-                      <a:r>
-                        <a:rPr lang="ko-KR" altLang="en-US" sz="1000" dirty="0"/>
-                        <a:t>판매상품 링크</a:t>
-                      </a:r>
-                      <a:r>
-                        <a:rPr lang="en-US" altLang="ko-KR" sz="1000" dirty="0"/>
-                        <a:t> or </a:t>
-                      </a:r>
-                      <a:r>
-                        <a:rPr lang="ko-KR" altLang="en-US" sz="1000" dirty="0"/>
-                        <a:t>판매상품 시퀀스</a:t>
-                      </a:r>
-                      <a:endParaRPr lang="en-US" altLang="ko-KR" sz="1000" dirty="0"/>
-                    </a:p>
-                    <a:p>
-                      <a:pPr algn="ctr" latinLnBrk="1"/>
-                      <a:r>
-                        <a:rPr lang="en-US" altLang="ko-KR" sz="1000" dirty="0"/>
-                        <a:t>, </a:t>
-                      </a:r>
-                      <a:r>
-                        <a:rPr lang="ko-KR" altLang="en-US" sz="1000" dirty="0"/>
-                        <a:t>실시간 채팅 시퀀스</a:t>
-                      </a:r>
-                      <a:endParaRPr lang="en-US" altLang="ko-KR" sz="1000" dirty="0"/>
-                    </a:p>
-                    <a:p>
-                      <a:pPr algn="ctr" latinLnBrk="1"/>
-                      <a:r>
-                        <a:rPr lang="en-US" altLang="ko-KR" sz="1000" dirty="0"/>
-                        <a:t>, </a:t>
-                      </a:r>
-                      <a:r>
-                        <a:rPr lang="ko-KR" altLang="en-US" sz="1000" dirty="0"/>
-                        <a:t>좋아요</a:t>
-                      </a:r>
-                      <a:r>
-                        <a:rPr lang="en-US" altLang="ko-KR" sz="1000" dirty="0"/>
-                        <a:t>, </a:t>
-                      </a:r>
-                      <a:r>
-                        <a:rPr lang="ko-KR" altLang="en-US" sz="1000" dirty="0"/>
-                        <a:t>싫어요</a:t>
-                      </a:r>
-                      <a:endParaRPr lang="en-US" altLang="ko-KR" sz="1000" dirty="0"/>
-                    </a:p>
-                  </a:txBody>
-                  <a:tcPr anchor="ctr"/>
-                </a:tc>
-                <a:tc>
-                  <a:txBody>
-                    <a:bodyPr/>
-                    <a:lstStyle/>
-                    <a:p>
-                      <a:pPr algn="ctr" latinLnBrk="1"/>
-                      <a:endParaRPr lang="ko-KR" altLang="en-US" sz="1000" dirty="0"/>
+                      <a:endParaRPr lang="ko-KR" altLang="en-US" sz="800" dirty="0"/>
                     </a:p>
                   </a:txBody>
                   <a:tcPr anchor="ctr"/>
@@ -10759,7 +10824,7 @@
                   </a:ext>
                 </a:extLst>
               </a:tr>
-              <a:tr h="370840">
+              <a:tr h="569639">
                 <a:tc>
                   <a:txBody>
                     <a:bodyPr/>
@@ -10767,10 +10832,10 @@
                     <a:p>
                       <a:pPr algn="ctr" latinLnBrk="1"/>
                       <a:r>
-                        <a:rPr lang="en-US" altLang="ko-KR" sz="1000" dirty="0"/>
+                        <a:rPr lang="en-US" altLang="ko-KR" sz="800" dirty="0"/>
                         <a:t>3</a:t>
                       </a:r>
-                      <a:endParaRPr lang="ko-KR" altLang="en-US" sz="1000" dirty="0"/>
+                      <a:endParaRPr lang="ko-KR" altLang="en-US" sz="800" dirty="0"/>
                     </a:p>
                   </a:txBody>
                   <a:tcPr anchor="ctr"/>
@@ -10781,7 +10846,7 @@
                     <a:lstStyle/>
                     <a:p>
                       <a:pPr algn="ctr" latinLnBrk="1"/>
-                      <a:endParaRPr lang="ko-KR" altLang="en-US" sz="1000" dirty="0"/>
+                      <a:endParaRPr lang="ko-KR" altLang="en-US" sz="800" dirty="0"/>
                     </a:p>
                   </a:txBody>
                   <a:tcPr anchor="ctr"/>
@@ -10793,7 +10858,7 @@
                     <a:p>
                       <a:pPr algn="ctr" latinLnBrk="1"/>
                       <a:r>
-                        <a:rPr lang="ko-KR" altLang="en-US" sz="1000" dirty="0"/>
+                        <a:rPr lang="ko-KR" altLang="en-US" sz="800" dirty="0"/>
                         <a:t>채팅</a:t>
                       </a:r>
                     </a:p>
@@ -10805,38 +10870,57 @@
                     <a:bodyPr/>
                     <a:lstStyle/>
                     <a:p>
+                      <a:pPr marL="171450" indent="-171450" algn="l" latinLnBrk="1">
+                        <a:buFont typeface="Arial" panose="020B0604020202020204" pitchFamily="34" charset="0"/>
+                        <a:buChar char="•"/>
+                      </a:pPr>
+                      <a:r>
+                        <a:rPr lang="ko-KR" altLang="en-US" sz="800" dirty="0"/>
+                        <a:t>시퀀스</a:t>
+                      </a:r>
+                      <a:endParaRPr lang="en-US" altLang="ko-KR" sz="800" dirty="0"/>
+                    </a:p>
+                    <a:p>
+                      <a:pPr marL="171450" indent="-171450" algn="l" latinLnBrk="1">
+                        <a:buFont typeface="Arial" panose="020B0604020202020204" pitchFamily="34" charset="0"/>
+                        <a:buChar char="•"/>
+                      </a:pPr>
+                      <a:r>
+                        <a:rPr lang="en-US" altLang="ko-KR" sz="800" dirty="0"/>
+                        <a:t>ID</a:t>
+                      </a:r>
+                    </a:p>
+                    <a:p>
+                      <a:pPr marL="171450" indent="-171450" algn="l" latinLnBrk="1">
+                        <a:buFont typeface="Arial" panose="020B0604020202020204" pitchFamily="34" charset="0"/>
+                        <a:buChar char="•"/>
+                      </a:pPr>
+                      <a:r>
+                        <a:rPr lang="ko-KR" altLang="en-US" sz="800" dirty="0"/>
+                        <a:t>시간</a:t>
+                      </a:r>
+                      <a:endParaRPr lang="en-US" altLang="ko-KR" sz="800" dirty="0"/>
+                    </a:p>
+                    <a:p>
+                      <a:pPr marL="171450" indent="-171450" algn="l" latinLnBrk="1">
+                        <a:buFont typeface="Arial" panose="020B0604020202020204" pitchFamily="34" charset="0"/>
+                        <a:buChar char="•"/>
+                      </a:pPr>
+                      <a:r>
+                        <a:rPr lang="ko-KR" altLang="en-US" sz="800" dirty="0"/>
+                        <a:t>내용</a:t>
+                      </a:r>
+                    </a:p>
+                  </a:txBody>
+                  <a:tcPr anchor="ctr"/>
+                </a:tc>
+                <a:tc>
+                  <a:txBody>
+                    <a:bodyPr/>
+                    <a:lstStyle/>
+                    <a:p>
                       <a:pPr algn="ctr" latinLnBrk="1"/>
-                      <a:r>
-                        <a:rPr lang="ko-KR" altLang="en-US" sz="1000" dirty="0"/>
-                        <a:t>시퀀스</a:t>
-                      </a:r>
-                      <a:r>
-                        <a:rPr lang="en-US" altLang="ko-KR" sz="1000" dirty="0"/>
-                        <a:t>, ID, </a:t>
-                      </a:r>
-                      <a:r>
-                        <a:rPr lang="ko-KR" altLang="en-US" sz="1000" dirty="0"/>
-                        <a:t>시간</a:t>
-                      </a:r>
-                      <a:r>
-                        <a:rPr lang="en-US" altLang="ko-KR" sz="1000" dirty="0"/>
-                        <a:t>, </a:t>
-                      </a:r>
-                      <a:r>
-                        <a:rPr lang="ko-KR" altLang="en-US" sz="1000" dirty="0"/>
-                        <a:t>내용</a:t>
-                      </a:r>
-                    </a:p>
-                  </a:txBody>
-                  <a:tcPr anchor="ctr"/>
-                </a:tc>
-                <a:tc>
-                  <a:txBody>
-                    <a:bodyPr/>
-                    <a:lstStyle/>
-                    <a:p>
-                      <a:pPr algn="ctr" latinLnBrk="1"/>
-                      <a:endParaRPr lang="ko-KR" altLang="en-US" sz="1000" dirty="0"/>
+                      <a:endParaRPr lang="ko-KR" altLang="en-US" sz="800" dirty="0"/>
                     </a:p>
                   </a:txBody>
                   <a:tcPr anchor="ctr"/>
@@ -10847,7 +10931,7 @@
                   </a:ext>
                 </a:extLst>
               </a:tr>
-              <a:tr h="370840">
+              <a:tr h="301331">
                 <a:tc>
                   <a:txBody>
                     <a:bodyPr/>
@@ -10855,10 +10939,10 @@
                     <a:p>
                       <a:pPr algn="ctr" latinLnBrk="1"/>
                       <a:r>
-                        <a:rPr lang="en-US" altLang="ko-KR" sz="1000" dirty="0"/>
+                        <a:rPr lang="en-US" altLang="ko-KR" sz="800" dirty="0"/>
                         <a:t>4</a:t>
                       </a:r>
-                      <a:endParaRPr lang="ko-KR" altLang="en-US" sz="1000" dirty="0"/>
+                      <a:endParaRPr lang="ko-KR" altLang="en-US" sz="800" dirty="0"/>
                     </a:p>
                   </a:txBody>
                   <a:tcPr anchor="ctr"/>
@@ -10869,7 +10953,7 @@
                     <a:lstStyle/>
                     <a:p>
                       <a:pPr algn="ctr" latinLnBrk="1"/>
-                      <a:endParaRPr lang="ko-KR" altLang="en-US" sz="1000" dirty="0"/>
+                      <a:endParaRPr lang="ko-KR" altLang="en-US" sz="800" dirty="0"/>
                     </a:p>
                   </a:txBody>
                   <a:tcPr anchor="ctr"/>
@@ -10881,8 +10965,8 @@
                     <a:p>
                       <a:pPr algn="ctr" latinLnBrk="1"/>
                       <a:r>
-                        <a:rPr lang="ko-KR" altLang="en-US" sz="1000" dirty="0"/>
-                        <a:t>금융상품</a:t>
+                        <a:rPr lang="ko-KR" altLang="en-US" sz="800" dirty="0"/>
+                        <a:t>시청 예약</a:t>
                       </a:r>
                     </a:p>
                   </a:txBody>
@@ -10893,115 +10977,39 @@
                     <a:bodyPr/>
                     <a:lstStyle/>
                     <a:p>
+                      <a:pPr marL="171450" indent="-171450" algn="l" latinLnBrk="1">
+                        <a:buFont typeface="Arial" panose="020B0604020202020204" pitchFamily="34" charset="0"/>
+                        <a:buChar char="•"/>
+                      </a:pPr>
+                      <a:r>
+                        <a:rPr lang="en-US" altLang="ko-KR" sz="800" dirty="0"/>
+                        <a:t>ID</a:t>
+                      </a:r>
+                    </a:p>
+                    <a:p>
+                      <a:pPr marL="171450" indent="-171450" algn="l" latinLnBrk="1">
+                        <a:buFont typeface="Arial" panose="020B0604020202020204" pitchFamily="34" charset="0"/>
+                        <a:buChar char="•"/>
+                      </a:pPr>
+                      <a:r>
+                        <a:rPr lang="ko-KR" altLang="en-US" sz="800" dirty="0"/>
+                        <a:t>방송 </a:t>
+                      </a:r>
+                      <a:r>
+                        <a:rPr lang="en-US" altLang="ko-KR" sz="800" dirty="0"/>
+                        <a:t>SEQ</a:t>
+                      </a:r>
+                    </a:p>
+                  </a:txBody>
+                  <a:tcPr anchor="ctr"/>
+                </a:tc>
+                <a:tc>
+                  <a:txBody>
+                    <a:bodyPr/>
+                    <a:lstStyle/>
+                    <a:p>
                       <a:pPr algn="ctr" latinLnBrk="1"/>
-                      <a:r>
-                        <a:rPr lang="ko-KR" altLang="en-US" sz="1000" dirty="0"/>
-                        <a:t>시퀀스</a:t>
-                      </a:r>
-                      <a:r>
-                        <a:rPr lang="en-US" altLang="ko-KR" sz="1000" dirty="0"/>
-                        <a:t>,  </a:t>
-                      </a:r>
-                      <a:r>
-                        <a:rPr lang="ko-KR" altLang="en-US" sz="1000" dirty="0"/>
-                        <a:t>링크</a:t>
-                      </a:r>
-                      <a:r>
-                        <a:rPr lang="en-US" altLang="ko-KR" sz="1000" dirty="0"/>
-                        <a:t>, </a:t>
-                      </a:r>
-                      <a:r>
-                        <a:rPr lang="ko-KR" altLang="en-US" sz="1000" dirty="0"/>
-                        <a:t>상품명</a:t>
-                      </a:r>
-                      <a:r>
-                        <a:rPr lang="en-US" altLang="ko-KR" sz="1000" dirty="0"/>
-                        <a:t>, </a:t>
-                      </a:r>
-                      <a:r>
-                        <a:rPr lang="ko-KR" altLang="en-US" sz="1000" dirty="0"/>
-                        <a:t>상품소개</a:t>
-                      </a:r>
-                    </a:p>
-                  </a:txBody>
-                  <a:tcPr anchor="ctr"/>
-                </a:tc>
-                <a:tc>
-                  <a:txBody>
-                    <a:bodyPr/>
-                    <a:lstStyle/>
-                    <a:p>
-                      <a:pPr algn="ctr" latinLnBrk="1"/>
-                      <a:endParaRPr lang="ko-KR" altLang="en-US" sz="1000"/>
-                    </a:p>
-                  </a:txBody>
-                  <a:tcPr anchor="ctr"/>
-                </a:tc>
-                <a:extLst>
-                  <a:ext uri="{0D108BD9-81ED-4DB2-BD59-A6C34878D82A}">
-                    <a16:rowId xmlns:a16="http://schemas.microsoft.com/office/drawing/2014/main" val="631125906"/>
-                  </a:ext>
-                </a:extLst>
-              </a:tr>
-              <a:tr h="370840">
-                <a:tc>
-                  <a:txBody>
-                    <a:bodyPr/>
-                    <a:lstStyle/>
-                    <a:p>
-                      <a:pPr algn="ctr" latinLnBrk="1"/>
-                      <a:r>
-                        <a:rPr lang="en-US" altLang="ko-KR" sz="1000" dirty="0"/>
-                        <a:t>5</a:t>
-                      </a:r>
-                      <a:endParaRPr lang="ko-KR" altLang="en-US" sz="1000" dirty="0"/>
-                    </a:p>
-                  </a:txBody>
-                  <a:tcPr anchor="ctr"/>
-                </a:tc>
-                <a:tc>
-                  <a:txBody>
-                    <a:bodyPr/>
-                    <a:lstStyle/>
-                    <a:p>
-                      <a:pPr algn="ctr" latinLnBrk="1"/>
-                      <a:endParaRPr lang="ko-KR" altLang="en-US" sz="1000" dirty="0"/>
-                    </a:p>
-                  </a:txBody>
-                  <a:tcPr anchor="ctr"/>
-                </a:tc>
-                <a:tc>
-                  <a:txBody>
-                    <a:bodyPr/>
-                    <a:lstStyle/>
-                    <a:p>
-                      <a:pPr algn="ctr" latinLnBrk="1"/>
-                      <a:r>
-                        <a:rPr lang="ko-KR" altLang="en-US" sz="1000" dirty="0"/>
-                        <a:t>시청예약</a:t>
-                      </a:r>
-                    </a:p>
-                  </a:txBody>
-                  <a:tcPr anchor="ctr"/>
-                </a:tc>
-                <a:tc>
-                  <a:txBody>
-                    <a:bodyPr/>
-                    <a:lstStyle/>
-                    <a:p>
-                      <a:pPr algn="ctr" latinLnBrk="1"/>
-                      <a:endParaRPr lang="ko-KR" altLang="en-US" sz="1000" dirty="0"/>
-                    </a:p>
-                  </a:txBody>
-                  <a:tcPr anchor="ctr"/>
-                </a:tc>
-                <a:tc>
-                  <a:txBody>
-                    <a:bodyPr/>
-                    <a:lstStyle/>
-                    <a:p>
-                      <a:pPr algn="ctr" latinLnBrk="1"/>
-                      <a:endParaRPr lang="ko-KR" altLang="en-US" sz="1000" dirty="0"/>
+                      <a:endParaRPr lang="ko-KR" altLang="en-US" sz="800" dirty="0"/>
                     </a:p>
                   </a:txBody>
                   <a:tcPr anchor="ctr"/>
@@ -11012,7 +11020,7 @@
                   </a:ext>
                 </a:extLst>
               </a:tr>
-              <a:tr h="370840">
+              <a:tr h="301331">
                 <a:tc>
                   <a:txBody>
                     <a:bodyPr/>
@@ -11020,10 +11028,10 @@
                     <a:p>
                       <a:pPr algn="ctr" latinLnBrk="1"/>
                       <a:r>
-                        <a:rPr lang="en-US" altLang="ko-KR" sz="1000" dirty="0"/>
-                        <a:t>6</a:t>
-                      </a:r>
-                      <a:endParaRPr lang="ko-KR" altLang="en-US" sz="1000" dirty="0"/>
+                        <a:rPr lang="en-US" altLang="ko-KR" sz="800" dirty="0"/>
+                        <a:t>5</a:t>
+                      </a:r>
+                      <a:endParaRPr lang="ko-KR" altLang="en-US" sz="800" dirty="0"/>
                     </a:p>
                   </a:txBody>
                   <a:tcPr anchor="ctr"/>
@@ -11034,7 +11042,7 @@
                     <a:lstStyle/>
                     <a:p>
                       <a:pPr algn="ctr" latinLnBrk="1"/>
-                      <a:endParaRPr lang="ko-KR" altLang="en-US" sz="1000" dirty="0"/>
+                      <a:endParaRPr lang="ko-KR" altLang="en-US" sz="800" dirty="0"/>
                     </a:p>
                   </a:txBody>
                   <a:tcPr anchor="ctr"/>
@@ -11044,33 +11052,83 @@
                     <a:bodyPr/>
                     <a:lstStyle/>
                     <a:p>
+                      <a:pPr marL="0" marR="0" lvl="0" indent="0" algn="ctr" defTabSz="914400" rtl="0" eaLnBrk="1" fontAlgn="auto" latinLnBrk="1" hangingPunct="1">
+                        <a:lnSpc>
+                          <a:spcPct val="100000"/>
+                        </a:lnSpc>
+                        <a:spcBef>
+                          <a:spcPts val="0"/>
+                        </a:spcBef>
+                        <a:spcAft>
+                          <a:spcPts val="0"/>
+                        </a:spcAft>
+                        <a:buClrTx/>
+                        <a:buSzTx/>
+                        <a:buFontTx/>
+                        <a:buNone/>
+                        <a:tabLst/>
+                        <a:defRPr/>
+                      </a:pPr>
+                      <a:r>
+                        <a:rPr lang="ko-KR" altLang="en-US" sz="800" dirty="0"/>
+                        <a:t>구매예약</a:t>
+                      </a:r>
+                      <a:r>
+                        <a:rPr lang="en-US" altLang="ko-KR" sz="800" dirty="0"/>
+                        <a:t>(</a:t>
+                      </a:r>
+                      <a:r>
+                        <a:rPr lang="ko-KR" altLang="en-US" sz="800" dirty="0" err="1"/>
+                        <a:t>해피콜리스트</a:t>
+                      </a:r>
+                      <a:r>
+                        <a:rPr lang="en-US" altLang="ko-KR" sz="800" dirty="0"/>
+                        <a:t>)</a:t>
+                      </a:r>
+                      <a:endParaRPr lang="ko-KR" altLang="en-US" sz="800" dirty="0"/>
+                    </a:p>
+                  </a:txBody>
+                  <a:tcPr anchor="ctr"/>
+                </a:tc>
+                <a:tc>
+                  <a:txBody>
+                    <a:bodyPr/>
+                    <a:lstStyle/>
+                    <a:p>
+                      <a:pPr marL="171450" indent="-171450" algn="l" latinLnBrk="1">
+                        <a:buFont typeface="Arial" panose="020B0604020202020204" pitchFamily="34" charset="0"/>
+                        <a:buChar char="•"/>
+                      </a:pPr>
+                      <a:r>
+                        <a:rPr lang="en-US" altLang="ko-KR" sz="800" dirty="0"/>
+                        <a:t>ID</a:t>
+                      </a:r>
+                    </a:p>
+                    <a:p>
+                      <a:pPr marL="171450" indent="-171450" algn="l" latinLnBrk="1">
+                        <a:buFont typeface="Arial" panose="020B0604020202020204" pitchFamily="34" charset="0"/>
+                        <a:buChar char="•"/>
+                      </a:pPr>
+                      <a:r>
+                        <a:rPr lang="ko-KR" altLang="en-US" sz="800" dirty="0"/>
+                        <a:t>금융상품 </a:t>
+                      </a:r>
+                      <a:r>
+                        <a:rPr lang="en-US" altLang="ko-KR" sz="800" dirty="0"/>
+                        <a:t>SEQ</a:t>
+                      </a:r>
+                      <a:endParaRPr lang="ko-KR" altLang="en-US" sz="800" dirty="0"/>
+                    </a:p>
+                  </a:txBody>
+                  <a:tcPr anchor="ctr"/>
+                </a:tc>
+                <a:tc>
+                  <a:txBody>
+                    <a:bodyPr/>
+                    <a:lstStyle/>
+                    <a:p>
                       <a:pPr algn="ctr" latinLnBrk="1"/>
-                      <a:r>
-                        <a:rPr lang="ko-KR" altLang="en-US" sz="1000" dirty="0"/>
-                        <a:t>구독</a:t>
-                      </a:r>
-                    </a:p>
-                  </a:txBody>
-                  <a:tcPr anchor="ctr"/>
-                </a:tc>
-                <a:tc>
-                  <a:txBody>
-                    <a:bodyPr/>
-                    <a:lstStyle/>
-                    <a:p>
-                      <a:pPr algn="ctr" latinLnBrk="1"/>
-                      <a:endParaRPr lang="ko-KR" altLang="en-US" sz="1000" dirty="0"/>
-                    </a:p>
-                  </a:txBody>
-                  <a:tcPr anchor="ctr"/>
-                </a:tc>
-                <a:tc>
-                  <a:txBody>
-                    <a:bodyPr/>
-                    <a:lstStyle/>
-                    <a:p>
-                      <a:pPr algn="ctr" latinLnBrk="1"/>
-                      <a:endParaRPr lang="ko-KR" altLang="en-US" sz="1000" dirty="0"/>
+                      <a:endParaRPr lang="ko-KR" altLang="en-US" sz="800" dirty="0"/>
                     </a:p>
                   </a:txBody>
                   <a:tcPr anchor="ctr"/>
@@ -11081,7 +11139,7 @@
                   </a:ext>
                 </a:extLst>
               </a:tr>
-              <a:tr h="370840">
+              <a:tr h="301331">
                 <a:tc>
                   <a:txBody>
                     <a:bodyPr/>
@@ -11089,10 +11147,10 @@
                     <a:p>
                       <a:pPr algn="ctr" latinLnBrk="1"/>
                       <a:r>
-                        <a:rPr lang="en-US" altLang="ko-KR" sz="1000" dirty="0"/>
-                        <a:t>7</a:t>
-                      </a:r>
-                      <a:endParaRPr lang="ko-KR" altLang="en-US" sz="1000" dirty="0"/>
+                        <a:rPr lang="en-US" altLang="ko-KR" sz="800" dirty="0"/>
+                        <a:t>6</a:t>
+                      </a:r>
+                      <a:endParaRPr lang="ko-KR" altLang="en-US" sz="800" dirty="0"/>
                     </a:p>
                   </a:txBody>
                   <a:tcPr anchor="ctr"/>
@@ -11103,7 +11161,7 @@
                     <a:lstStyle/>
                     <a:p>
                       <a:pPr algn="ctr" latinLnBrk="1"/>
-                      <a:endParaRPr lang="ko-KR" altLang="en-US" sz="1000" dirty="0"/>
+                      <a:endParaRPr lang="ko-KR" altLang="en-US" sz="800" dirty="0"/>
                     </a:p>
                   </a:txBody>
                   <a:tcPr anchor="ctr"/>
@@ -11113,53 +11171,78 @@
                     <a:bodyPr/>
                     <a:lstStyle/>
                     <a:p>
+                      <a:pPr marL="0" marR="0" lvl="0" indent="0" algn="ctr" defTabSz="914400" rtl="0" eaLnBrk="1" fontAlgn="auto" latinLnBrk="1" hangingPunct="1">
+                        <a:lnSpc>
+                          <a:spcPct val="100000"/>
+                        </a:lnSpc>
+                        <a:spcBef>
+                          <a:spcPts val="0"/>
+                        </a:spcBef>
+                        <a:spcAft>
+                          <a:spcPts val="0"/>
+                        </a:spcAft>
+                        <a:buClrTx/>
+                        <a:buSzTx/>
+                        <a:buFontTx/>
+                        <a:buNone/>
+                        <a:tabLst/>
+                        <a:defRPr/>
+                      </a:pPr>
+                      <a:r>
+                        <a:rPr lang="ko-KR" altLang="en-US" sz="800" dirty="0"/>
+                        <a:t>구독 리스트</a:t>
+                      </a:r>
+                    </a:p>
+                  </a:txBody>
+                  <a:tcPr anchor="ctr"/>
+                </a:tc>
+                <a:tc>
+                  <a:txBody>
+                    <a:bodyPr/>
+                    <a:lstStyle/>
+                    <a:p>
+                      <a:pPr marL="171450" indent="-171450" algn="l" latinLnBrk="1">
+                        <a:buFont typeface="Arial" panose="020B0604020202020204" pitchFamily="34" charset="0"/>
+                        <a:buChar char="•"/>
+                      </a:pPr>
+                      <a:r>
+                        <a:rPr lang="en-US" altLang="ko-KR" sz="800" dirty="0"/>
+                        <a:t>ID</a:t>
+                      </a:r>
+                    </a:p>
+                    <a:p>
+                      <a:pPr marL="171450" indent="-171450" algn="l" latinLnBrk="1">
+                        <a:buFont typeface="Arial" panose="020B0604020202020204" pitchFamily="34" charset="0"/>
+                        <a:buChar char="•"/>
+                      </a:pPr>
+                      <a:r>
+                        <a:rPr lang="ko-KR" altLang="en-US" sz="800" dirty="0"/>
+                        <a:t>회원</a:t>
+                      </a:r>
+                      <a:r>
+                        <a:rPr lang="en-US" altLang="ko-KR" sz="800" dirty="0"/>
+                        <a:t>(</a:t>
+                      </a:r>
+                      <a:r>
+                        <a:rPr lang="ko-KR" altLang="en-US" sz="800" dirty="0"/>
+                        <a:t>유형 </a:t>
+                      </a:r>
+                      <a:r>
+                        <a:rPr lang="en-US" altLang="ko-KR" sz="800" dirty="0"/>
+                        <a:t>H) ID</a:t>
+                      </a:r>
+                      <a:endParaRPr lang="ko-KR" altLang="en-US" sz="800" dirty="0"/>
+                    </a:p>
+                  </a:txBody>
+                  <a:tcPr anchor="ctr"/>
+                </a:tc>
+                <a:tc>
+                  <a:txBody>
+                    <a:bodyPr/>
+                    <a:lstStyle/>
+                    <a:p>
                       <a:pPr algn="ctr" latinLnBrk="1"/>
-                      <a:r>
-                        <a:rPr lang="ko-KR" altLang="en-US" sz="1000" dirty="0"/>
-                        <a:t>방송 환경 정보</a:t>
-                      </a:r>
-                      <a:r>
-                        <a:rPr lang="en-US" altLang="ko-KR" sz="1000" dirty="0"/>
-                        <a:t>?</a:t>
-                      </a:r>
-                      <a:endParaRPr lang="ko-KR" altLang="en-US" sz="1000" dirty="0"/>
-                    </a:p>
-                  </a:txBody>
-                  <a:tcPr anchor="ctr"/>
-                </a:tc>
-                <a:tc>
-                  <a:txBody>
-                    <a:bodyPr/>
-                    <a:lstStyle/>
-                    <a:p>
-                      <a:pPr algn="ctr" latinLnBrk="1"/>
-                      <a:r>
-                        <a:rPr lang="ko-KR" altLang="en-US" sz="1000" dirty="0"/>
-                        <a:t>위치</a:t>
-                      </a:r>
-                      <a:r>
-                        <a:rPr lang="en-US" altLang="ko-KR" sz="1000" dirty="0"/>
-                        <a:t>, </a:t>
-                      </a:r>
-                      <a:r>
-                        <a:rPr lang="ko-KR" altLang="en-US" sz="1000" dirty="0" err="1"/>
-                        <a:t>웹캠</a:t>
-                      </a:r>
-                      <a:r>
-                        <a:rPr lang="ko-KR" altLang="en-US" sz="1000" dirty="0"/>
-                        <a:t> 정보 등</a:t>
-                      </a:r>
-                    </a:p>
-                  </a:txBody>
-                  <a:tcPr anchor="ctr"/>
-                </a:tc>
-                <a:tc>
-                  <a:txBody>
-                    <a:bodyPr/>
-                    <a:lstStyle/>
-                    <a:p>
-                      <a:pPr algn="ctr" latinLnBrk="1"/>
-                      <a:endParaRPr lang="ko-KR" altLang="en-US" sz="1000" dirty="0"/>
+                      <a:endParaRPr lang="ko-KR" altLang="en-US" sz="800" dirty="0"/>
                     </a:p>
                   </a:txBody>
                   <a:tcPr anchor="ctr"/>
@@ -11170,7 +11253,7 @@
                   </a:ext>
                 </a:extLst>
               </a:tr>
-              <a:tr h="370840">
+              <a:tr h="301331">
                 <a:tc>
                   <a:txBody>
                     <a:bodyPr/>
@@ -11178,10 +11261,10 @@
                     <a:p>
                       <a:pPr algn="ctr" latinLnBrk="1"/>
                       <a:r>
-                        <a:rPr lang="en-US" altLang="ko-KR" sz="1000" dirty="0"/>
-                        <a:t>8</a:t>
-                      </a:r>
-                      <a:endParaRPr lang="ko-KR" altLang="en-US" sz="1000" dirty="0"/>
+                        <a:rPr lang="en-US" altLang="ko-KR" sz="800" dirty="0"/>
+                        <a:t>7</a:t>
+                      </a:r>
+                      <a:endParaRPr lang="ko-KR" altLang="en-US" sz="800" dirty="0"/>
                     </a:p>
                   </a:txBody>
                   <a:tcPr anchor="ctr"/>
@@ -11192,7 +11275,7 @@
                     <a:lstStyle/>
                     <a:p>
                       <a:pPr algn="ctr" latinLnBrk="1"/>
-                      <a:endParaRPr lang="ko-KR" altLang="en-US" sz="1000" dirty="0"/>
+                      <a:endParaRPr lang="ko-KR" altLang="en-US" sz="800" dirty="0"/>
                     </a:p>
                   </a:txBody>
                   <a:tcPr anchor="ctr"/>
@@ -11204,8 +11287,8 @@
                     <a:p>
                       <a:pPr algn="ctr" latinLnBrk="1"/>
                       <a:r>
-                        <a:rPr lang="ko-KR" altLang="en-US" sz="1000" dirty="0"/>
-                        <a:t>구매예약</a:t>
+                        <a:rPr lang="ko-KR" altLang="en-US" sz="800" dirty="0"/>
+                        <a:t>종료된 방송</a:t>
                       </a:r>
                     </a:p>
                   </a:txBody>
@@ -11216,19 +11299,132 @@
                     <a:bodyPr/>
                     <a:lstStyle/>
                     <a:p>
+                      <a:pPr marL="171450" indent="-171450" algn="l" latinLnBrk="1">
+                        <a:buFont typeface="Arial" panose="020B0604020202020204" pitchFamily="34" charset="0"/>
+                        <a:buChar char="•"/>
+                      </a:pPr>
+                      <a:r>
+                        <a:rPr lang="ko-KR" altLang="en-US" sz="800" dirty="0"/>
+                        <a:t>시퀀스</a:t>
+                      </a:r>
+                      <a:endParaRPr lang="en-US" altLang="ko-KR" sz="800" dirty="0"/>
+                    </a:p>
+                    <a:p>
+                      <a:pPr marL="171450" indent="-171450" algn="l" latinLnBrk="1">
+                        <a:buFont typeface="Arial" panose="020B0604020202020204" pitchFamily="34" charset="0"/>
+                        <a:buChar char="•"/>
+                      </a:pPr>
+                      <a:r>
+                        <a:rPr lang="ko-KR" altLang="en-US" sz="800" dirty="0"/>
+                        <a:t>방송시작 일자</a:t>
+                      </a:r>
+                      <a:r>
+                        <a:rPr lang="en-US" altLang="ko-KR" sz="800" dirty="0"/>
+                        <a:t>/</a:t>
+                      </a:r>
+                      <a:r>
+                        <a:rPr lang="ko-KR" altLang="en-US" sz="800" dirty="0"/>
+                        <a:t>시간</a:t>
+                      </a:r>
+                      <a:endParaRPr lang="en-US" altLang="ko-KR" sz="800" dirty="0"/>
+                    </a:p>
+                    <a:p>
+                      <a:pPr marL="171450" indent="-171450" algn="l" latinLnBrk="1">
+                        <a:buFont typeface="Arial" panose="020B0604020202020204" pitchFamily="34" charset="0"/>
+                        <a:buChar char="•"/>
+                      </a:pPr>
+                      <a:r>
+                        <a:rPr lang="ko-KR" altLang="en-US" sz="800" dirty="0"/>
+                        <a:t>제목</a:t>
+                      </a:r>
+                      <a:endParaRPr lang="en-US" altLang="ko-KR" sz="800" dirty="0"/>
+                    </a:p>
+                    <a:p>
+                      <a:pPr marL="171450" indent="-171450" algn="l" latinLnBrk="1">
+                        <a:buFont typeface="Arial" panose="020B0604020202020204" pitchFamily="34" charset="0"/>
+                        <a:buChar char="•"/>
+                      </a:pPr>
+                      <a:r>
+                        <a:rPr lang="ko-KR" altLang="en-US" sz="800" dirty="0"/>
+                        <a:t>소개</a:t>
+                      </a:r>
+                      <a:endParaRPr lang="en-US" altLang="ko-KR" sz="800" dirty="0"/>
+                    </a:p>
+                    <a:p>
+                      <a:pPr marL="171450" indent="-171450" algn="l" latinLnBrk="1">
+                        <a:buFont typeface="Arial" panose="020B0604020202020204" pitchFamily="34" charset="0"/>
+                        <a:buChar char="•"/>
+                      </a:pPr>
+                      <a:r>
+                        <a:rPr lang="ko-KR" altLang="en-US" sz="800" dirty="0"/>
+                        <a:t>판매자</a:t>
+                      </a:r>
+                      <a:endParaRPr lang="en-US" altLang="ko-KR" sz="800" dirty="0"/>
+                    </a:p>
+                    <a:p>
+                      <a:pPr marL="171450" indent="-171450" algn="l" latinLnBrk="1">
+                        <a:buFont typeface="Arial" panose="020B0604020202020204" pitchFamily="34" charset="0"/>
+                        <a:buChar char="•"/>
+                      </a:pPr>
+                      <a:r>
+                        <a:rPr lang="ko-KR" altLang="en-US" sz="800" dirty="0"/>
+                        <a:t>판매 상품</a:t>
+                      </a:r>
+                      <a:endParaRPr lang="en-US" altLang="ko-KR" sz="800" dirty="0"/>
+                    </a:p>
+                    <a:p>
+                      <a:pPr marL="171450" indent="-171450" algn="l" latinLnBrk="1">
+                        <a:buFont typeface="Arial" panose="020B0604020202020204" pitchFamily="34" charset="0"/>
+                        <a:buChar char="•"/>
+                      </a:pPr>
+                      <a:r>
+                        <a:rPr lang="ko-KR" altLang="en-US" sz="800" dirty="0"/>
+                        <a:t>실시간 채팅 시퀀스</a:t>
+                      </a:r>
+                      <a:endParaRPr lang="en-US" altLang="ko-KR" sz="800" dirty="0"/>
+                    </a:p>
+                    <a:p>
+                      <a:pPr marL="171450" indent="-171450" algn="l" latinLnBrk="1">
+                        <a:buFont typeface="Arial" panose="020B0604020202020204" pitchFamily="34" charset="0"/>
+                        <a:buChar char="•"/>
+                      </a:pPr>
+                      <a:r>
+                        <a:rPr lang="ko-KR" altLang="en-US" sz="800" dirty="0"/>
+                        <a:t>좋아요</a:t>
+                      </a:r>
+                      <a:endParaRPr lang="en-US" altLang="ko-KR" sz="800" dirty="0"/>
+                    </a:p>
+                    <a:p>
+                      <a:pPr marL="171450" indent="-171450" algn="l" latinLnBrk="1">
+                        <a:buFont typeface="Arial" panose="020B0604020202020204" pitchFamily="34" charset="0"/>
+                        <a:buChar char="•"/>
+                      </a:pPr>
+                      <a:r>
+                        <a:rPr lang="ko-KR" altLang="en-US" sz="800" dirty="0"/>
+                        <a:t>싫어요</a:t>
+                      </a:r>
+                      <a:endParaRPr lang="en-US" altLang="ko-KR" sz="800" dirty="0"/>
+                    </a:p>
+                    <a:p>
+                      <a:pPr marL="171450" indent="-171450" algn="l" latinLnBrk="1">
+                        <a:buFont typeface="Arial" panose="020B0604020202020204" pitchFamily="34" charset="0"/>
+                        <a:buChar char="•"/>
+                      </a:pPr>
+                      <a:r>
+                        <a:rPr lang="ko-KR" altLang="en-US" sz="800" dirty="0"/>
+                        <a:t>방송종료 시간</a:t>
+                      </a:r>
+                    </a:p>
+                  </a:txBody>
+                  <a:tcPr anchor="ctr"/>
+                </a:tc>
+                <a:tc>
+                  <a:txBody>
+                    <a:bodyPr/>
+                    <a:lstStyle/>
+                    <a:p>
                       <a:pPr algn="ctr" latinLnBrk="1"/>
-                      <a:endParaRPr lang="ko-KR" altLang="en-US" sz="1000" dirty="0"/>
-                    </a:p>
-                  </a:txBody>
-                  <a:tcPr anchor="ctr"/>
-                </a:tc>
-                <a:tc>
-                  <a:txBody>
-                    <a:bodyPr/>
-                    <a:lstStyle/>
-                    <a:p>
-                      <a:pPr algn="ctr" latinLnBrk="1"/>
-                      <a:endParaRPr lang="ko-KR" altLang="en-US" sz="1000" dirty="0"/>
+                      <a:endParaRPr lang="ko-KR" altLang="en-US" sz="800" dirty="0"/>
                     </a:p>
                   </a:txBody>
                   <a:tcPr anchor="ctr"/>
@@ -11239,7 +11435,7 @@
                   </a:ext>
                 </a:extLst>
               </a:tr>
-              <a:tr h="370840">
+              <a:tr h="301331">
                 <a:tc>
                   <a:txBody>
                     <a:bodyPr/>
@@ -11247,10 +11443,10 @@
                     <a:p>
                       <a:pPr algn="ctr" latinLnBrk="1"/>
                       <a:r>
-                        <a:rPr lang="en-US" altLang="ko-KR" sz="1000" dirty="0"/>
-                        <a:t>9</a:t>
-                      </a:r>
-                      <a:endParaRPr lang="ko-KR" altLang="en-US" sz="1000" dirty="0"/>
+                        <a:rPr lang="en-US" altLang="ko-KR" sz="800" dirty="0"/>
+                        <a:t>8</a:t>
+                      </a:r>
+                      <a:endParaRPr lang="ko-KR" altLang="en-US" sz="800" dirty="0"/>
                     </a:p>
                   </a:txBody>
                   <a:tcPr anchor="ctr"/>
@@ -11261,7 +11457,7 @@
                     <a:lstStyle/>
                     <a:p>
                       <a:pPr algn="ctr" latinLnBrk="1"/>
-                      <a:endParaRPr lang="ko-KR" altLang="en-US" sz="1000" dirty="0"/>
+                      <a:endParaRPr lang="ko-KR" altLang="en-US" sz="800" dirty="0"/>
                     </a:p>
                   </a:txBody>
                   <a:tcPr anchor="ctr"/>
@@ -11273,14 +11469,9 @@
                     <a:p>
                       <a:pPr algn="ctr" latinLnBrk="1"/>
                       <a:r>
-                        <a:rPr lang="ko-KR" altLang="en-US" sz="1000" dirty="0"/>
-                        <a:t>종료된 방송</a:t>
-                      </a:r>
-                      <a:r>
-                        <a:rPr lang="en-US" altLang="ko-KR" sz="1000" dirty="0"/>
-                        <a:t>?</a:t>
-                      </a:r>
-                      <a:endParaRPr lang="ko-KR" altLang="en-US" sz="1000" dirty="0"/>
+                        <a:rPr lang="ko-KR" altLang="en-US" sz="800" dirty="0"/>
+                        <a:t>종료된 방송 채팅</a:t>
+                      </a:r>
                     </a:p>
                   </a:txBody>
                   <a:tcPr anchor="ctr"/>
@@ -11290,19 +11481,60 @@
                     <a:bodyPr/>
                     <a:lstStyle/>
                     <a:p>
+                      <a:pPr marL="171450" indent="-171450" algn="l" latinLnBrk="1">
+                        <a:buFont typeface="Arial" panose="020B0604020202020204" pitchFamily="34" charset="0"/>
+                        <a:buChar char="•"/>
+                      </a:pPr>
+                      <a:r>
+                        <a:rPr lang="en-US" altLang="ko-KR" sz="800" dirty="0"/>
+                        <a:t>ID</a:t>
+                      </a:r>
+                    </a:p>
+                    <a:p>
+                      <a:pPr marL="171450" indent="-171450" algn="l" latinLnBrk="1">
+                        <a:buFont typeface="Arial" panose="020B0604020202020204" pitchFamily="34" charset="0"/>
+                        <a:buChar char="•"/>
+                      </a:pPr>
+                      <a:r>
+                        <a:rPr lang="ko-KR" altLang="en-US" sz="800" dirty="0"/>
+                        <a:t>방송 </a:t>
+                      </a:r>
+                      <a:r>
+                        <a:rPr lang="en-US" altLang="ko-KR" sz="800" dirty="0"/>
+                        <a:t>SEQ</a:t>
+                      </a:r>
+                    </a:p>
+                    <a:p>
+                      <a:pPr marL="171450" indent="-171450" algn="l" latinLnBrk="1">
+                        <a:buFont typeface="Arial" panose="020B0604020202020204" pitchFamily="34" charset="0"/>
+                        <a:buChar char="•"/>
+                      </a:pPr>
+                      <a:r>
+                        <a:rPr lang="ko-KR" altLang="en-US" sz="800" dirty="0"/>
+                        <a:t>채팅내용</a:t>
+                      </a:r>
+                      <a:endParaRPr lang="en-US" altLang="ko-KR" sz="800" dirty="0"/>
+                    </a:p>
+                    <a:p>
+                      <a:pPr marL="171450" indent="-171450" algn="l" latinLnBrk="1">
+                        <a:buFont typeface="Arial" panose="020B0604020202020204" pitchFamily="34" charset="0"/>
+                        <a:buChar char="•"/>
+                      </a:pPr>
+                      <a:r>
+                        <a:rPr lang="ko-KR" altLang="en-US" sz="800" dirty="0"/>
+                        <a:t>채팅시간</a:t>
+                      </a:r>
+                    </a:p>
+                  </a:txBody>
+                  <a:tcPr anchor="ctr"/>
+                </a:tc>
+                <a:tc>
+                  <a:txBody>
+                    <a:bodyPr/>
+                    <a:lstStyle/>
+                    <a:p>
                       <a:pPr algn="ctr" latinLnBrk="1"/>
-                      <a:endParaRPr lang="ko-KR" altLang="en-US" sz="1000" dirty="0"/>
-                    </a:p>
-                  </a:txBody>
-                  <a:tcPr anchor="ctr"/>
-                </a:tc>
-                <a:tc>
-                  <a:txBody>
-                    <a:bodyPr/>
-                    <a:lstStyle/>
-                    <a:p>
-                      <a:pPr algn="ctr" latinLnBrk="1"/>
-                      <a:endParaRPr lang="ko-KR" altLang="en-US" sz="1000" dirty="0"/>
+                      <a:endParaRPr lang="ko-KR" altLang="en-US" sz="800" dirty="0"/>
                     </a:p>
                   </a:txBody>
                   <a:tcPr anchor="ctr"/>
@@ -11310,80 +11542,6 @@
                 <a:extLst>
                   <a:ext uri="{0D108BD9-81ED-4DB2-BD59-A6C34878D82A}">
                     <a16:rowId xmlns:a16="http://schemas.microsoft.com/office/drawing/2014/main" val="3001796068"/>
-                  </a:ext>
-                </a:extLst>
-              </a:tr>
-              <a:tr h="370840">
-                <a:tc>
-                  <a:txBody>
-                    <a:bodyPr/>
-                    <a:lstStyle/>
-                    <a:p>
-                      <a:pPr algn="ctr" latinLnBrk="1"/>
-                      <a:r>
-                        <a:rPr lang="en-US" altLang="ko-KR" sz="1000" dirty="0"/>
-                        <a:t>10</a:t>
-                      </a:r>
-                      <a:endParaRPr lang="ko-KR" altLang="en-US" sz="1000" dirty="0"/>
-                    </a:p>
-                  </a:txBody>
-                  <a:tcPr anchor="ctr"/>
-                </a:tc>
-                <a:tc>
-                  <a:txBody>
-                    <a:bodyPr/>
-                    <a:lstStyle/>
-                    <a:p>
-                      <a:pPr algn="ctr" latinLnBrk="1"/>
-                      <a:endParaRPr lang="ko-KR" altLang="en-US" sz="1000" dirty="0"/>
-                    </a:p>
-                  </a:txBody>
-                  <a:tcPr anchor="ctr"/>
-                </a:tc>
-                <a:tc>
-                  <a:txBody>
-                    <a:bodyPr/>
-                    <a:lstStyle/>
-                    <a:p>
-                      <a:pPr algn="ctr" latinLnBrk="1"/>
-                      <a:r>
-                        <a:rPr lang="ko-KR" altLang="en-US" sz="1000" dirty="0"/>
-                        <a:t>종료된 방송 채팅</a:t>
-                      </a:r>
-                      <a:r>
-                        <a:rPr lang="en-US" altLang="ko-KR" sz="1000" dirty="0"/>
-                        <a:t>?</a:t>
-                      </a:r>
-                      <a:endParaRPr lang="ko-KR" altLang="en-US" sz="1000" dirty="0"/>
-                    </a:p>
-                  </a:txBody>
-                  <a:tcPr anchor="ctr"/>
-                </a:tc>
-                <a:tc>
-                  <a:txBody>
-                    <a:bodyPr/>
-                    <a:lstStyle/>
-                    <a:p>
-                      <a:pPr algn="ctr" latinLnBrk="1"/>
-                      <a:endParaRPr lang="ko-KR" altLang="en-US" sz="1000" dirty="0"/>
-                    </a:p>
-                  </a:txBody>
-                  <a:tcPr anchor="ctr"/>
-                </a:tc>
-                <a:tc>
-                  <a:txBody>
-                    <a:bodyPr/>
-                    <a:lstStyle/>
-                    <a:p>
-                      <a:pPr algn="ctr" latinLnBrk="1"/>
-                      <a:endParaRPr lang="ko-KR" altLang="en-US" sz="1000" dirty="0"/>
-                    </a:p>
-                  </a:txBody>
-                  <a:tcPr anchor="ctr"/>
-                </a:tc>
-                <a:extLst>
-                  <a:ext uri="{0D108BD9-81ED-4DB2-BD59-A6C34878D82A}">
-                    <a16:rowId xmlns:a16="http://schemas.microsoft.com/office/drawing/2014/main" val="2602309666"/>
                   </a:ext>
                 </a:extLst>
               </a:tr>
@@ -11395,6 +11553,1825 @@
     <p:extLst>
       <p:ext uri="{BB962C8B-B14F-4D97-AF65-F5344CB8AC3E}">
         <p14:creationId xmlns:p14="http://schemas.microsoft.com/office/powerpoint/2010/main" val="395891310"/>
+      </p:ext>
+    </p:extLst>
+  </p:cSld>
+  <p:clrMapOvr>
+    <a:masterClrMapping/>
+  </p:clrMapOvr>
+</p:sld>
+</file>
+
+<file path=ppt/slides/slide12.xml><?xml version="1.0" encoding="utf-8"?>
+<p:sld xmlns:a="http://schemas.openxmlformats.org/drawingml/2006/main" xmlns:r="http://schemas.openxmlformats.org/officeDocument/2006/relationships" xmlns:p="http://schemas.openxmlformats.org/presentationml/2006/main">
+  <p:cSld>
+    <p:spTree>
+      <p:nvGrpSpPr>
+        <p:cNvPr id="1" name=""/>
+        <p:cNvGrpSpPr/>
+        <p:nvPr/>
+      </p:nvGrpSpPr>
+      <p:grpSpPr>
+        <a:xfrm>
+          <a:off x="0" y="0"/>
+          <a:ext cx="0" cy="0"/>
+          <a:chOff x="0" y="0"/>
+          <a:chExt cx="0" cy="0"/>
+        </a:xfrm>
+      </p:grpSpPr>
+      <p:grpSp>
+        <p:nvGrpSpPr>
+          <p:cNvPr id="2" name="그룹 1">
+            <a:extLst>
+              <a:ext uri="{FF2B5EF4-FFF2-40B4-BE49-F238E27FC236}">
+                <a16:creationId xmlns:a16="http://schemas.microsoft.com/office/drawing/2014/main" id="{3A57DF08-BF3E-4EE4-9D25-0C6954C13271}"/>
+              </a:ext>
+            </a:extLst>
+          </p:cNvPr>
+          <p:cNvGrpSpPr/>
+          <p:nvPr/>
+        </p:nvGrpSpPr>
+        <p:grpSpPr>
+          <a:xfrm>
+            <a:off x="-3496" y="18355"/>
+            <a:ext cx="4154905" cy="1119926"/>
+            <a:chOff x="-31489" y="18355"/>
+            <a:chExt cx="4154905" cy="1119926"/>
+          </a:xfrm>
+        </p:grpSpPr>
+        <p:cxnSp>
+          <p:nvCxnSpPr>
+            <p:cNvPr id="3" name="직선 연결선 2">
+              <a:extLst>
+                <a:ext uri="{FF2B5EF4-FFF2-40B4-BE49-F238E27FC236}">
+                  <a16:creationId xmlns:a16="http://schemas.microsoft.com/office/drawing/2014/main" id="{5971D1F1-4A23-4024-B12B-1C51903EFD24}"/>
+                </a:ext>
+              </a:extLst>
+            </p:cNvPr>
+            <p:cNvCxnSpPr/>
+            <p:nvPr/>
+          </p:nvCxnSpPr>
+          <p:spPr>
+            <a:xfrm>
+              <a:off x="-31489" y="699223"/>
+              <a:ext cx="4154905" cy="0"/>
+            </a:xfrm>
+            <a:prstGeom prst="line">
+              <a:avLst/>
+            </a:prstGeom>
+            <a:ln w="19050">
+              <a:solidFill>
+                <a:schemeClr val="tx1"/>
+              </a:solidFill>
+            </a:ln>
+          </p:spPr>
+          <p:style>
+            <a:lnRef idx="1">
+              <a:schemeClr val="accent1"/>
+            </a:lnRef>
+            <a:fillRef idx="0">
+              <a:schemeClr val="accent1"/>
+            </a:fillRef>
+            <a:effectRef idx="0">
+              <a:schemeClr val="accent1"/>
+            </a:effectRef>
+            <a:fontRef idx="minor">
+              <a:schemeClr val="tx1"/>
+            </a:fontRef>
+          </p:style>
+        </p:cxnSp>
+        <p:grpSp>
+          <p:nvGrpSpPr>
+            <p:cNvPr id="4" name="그룹 3">
+              <a:extLst>
+                <a:ext uri="{FF2B5EF4-FFF2-40B4-BE49-F238E27FC236}">
+                  <a16:creationId xmlns:a16="http://schemas.microsoft.com/office/drawing/2014/main" id="{47D91E82-FC46-4685-B271-D035645363BE}"/>
+                </a:ext>
+              </a:extLst>
+            </p:cNvPr>
+            <p:cNvGrpSpPr/>
+            <p:nvPr/>
+          </p:nvGrpSpPr>
+          <p:grpSpPr>
+            <a:xfrm>
+              <a:off x="74762" y="18355"/>
+              <a:ext cx="3680816" cy="1119926"/>
+              <a:chOff x="565885" y="1076559"/>
+              <a:chExt cx="3680816" cy="1119926"/>
+            </a:xfrm>
+          </p:grpSpPr>
+          <p:sp>
+            <p:nvSpPr>
+              <p:cNvPr id="5" name="TextBox 8">
+                <a:extLst>
+                  <a:ext uri="{FF2B5EF4-FFF2-40B4-BE49-F238E27FC236}">
+                    <a16:creationId xmlns:a16="http://schemas.microsoft.com/office/drawing/2014/main" id="{7228966A-76D0-4941-88B9-C0247FF09B9A}"/>
+                  </a:ext>
+                </a:extLst>
+              </p:cNvPr>
+              <p:cNvSpPr txBox="1"/>
+              <p:nvPr/>
+            </p:nvSpPr>
+            <p:spPr>
+              <a:xfrm>
+                <a:off x="565885" y="1076559"/>
+                <a:ext cx="3680816" cy="646331"/>
+              </a:xfrm>
+              <a:prstGeom prst="rect">
+                <a:avLst/>
+              </a:prstGeom>
+              <a:noFill/>
+            </p:spPr>
+            <p:txBody>
+              <a:bodyPr wrap="none" rtlCol="0">
+                <a:spAutoFit/>
+              </a:bodyPr>
+              <a:lstStyle>
+                <a:defPPr>
+                  <a:defRPr lang="ko-KR"/>
+                </a:defPPr>
+                <a:lvl1pPr marL="0" algn="l" defTabSz="914400" rtl="0" eaLnBrk="1" latinLnBrk="1" hangingPunct="1">
+                  <a:defRPr sz="1800" kern="1200">
+                    <a:solidFill>
+                      <a:schemeClr val="tx1"/>
+                    </a:solidFill>
+                    <a:latin typeface="+mn-lt"/>
+                    <a:ea typeface="+mn-ea"/>
+                    <a:cs typeface="+mn-cs"/>
+                  </a:defRPr>
+                </a:lvl1pPr>
+                <a:lvl2pPr marL="457200" algn="l" defTabSz="914400" rtl="0" eaLnBrk="1" latinLnBrk="1" hangingPunct="1">
+                  <a:defRPr sz="1800" kern="1200">
+                    <a:solidFill>
+                      <a:schemeClr val="tx1"/>
+                    </a:solidFill>
+                    <a:latin typeface="+mn-lt"/>
+                    <a:ea typeface="+mn-ea"/>
+                    <a:cs typeface="+mn-cs"/>
+                  </a:defRPr>
+                </a:lvl2pPr>
+                <a:lvl3pPr marL="914400" algn="l" defTabSz="914400" rtl="0" eaLnBrk="1" latinLnBrk="1" hangingPunct="1">
+                  <a:defRPr sz="1800" kern="1200">
+                    <a:solidFill>
+                      <a:schemeClr val="tx1"/>
+                    </a:solidFill>
+                    <a:latin typeface="+mn-lt"/>
+                    <a:ea typeface="+mn-ea"/>
+                    <a:cs typeface="+mn-cs"/>
+                  </a:defRPr>
+                </a:lvl3pPr>
+                <a:lvl4pPr marL="1371600" algn="l" defTabSz="914400" rtl="0" eaLnBrk="1" latinLnBrk="1" hangingPunct="1">
+                  <a:defRPr sz="1800" kern="1200">
+                    <a:solidFill>
+                      <a:schemeClr val="tx1"/>
+                    </a:solidFill>
+                    <a:latin typeface="+mn-lt"/>
+                    <a:ea typeface="+mn-ea"/>
+                    <a:cs typeface="+mn-cs"/>
+                  </a:defRPr>
+                </a:lvl4pPr>
+                <a:lvl5pPr marL="1828800" algn="l" defTabSz="914400" rtl="0" eaLnBrk="1" latinLnBrk="1" hangingPunct="1">
+                  <a:defRPr sz="1800" kern="1200">
+                    <a:solidFill>
+                      <a:schemeClr val="tx1"/>
+                    </a:solidFill>
+                    <a:latin typeface="+mn-lt"/>
+                    <a:ea typeface="+mn-ea"/>
+                    <a:cs typeface="+mn-cs"/>
+                  </a:defRPr>
+                </a:lvl5pPr>
+                <a:lvl6pPr marL="2286000" algn="l" defTabSz="914400" rtl="0" eaLnBrk="1" latinLnBrk="1" hangingPunct="1">
+                  <a:defRPr sz="1800" kern="1200">
+                    <a:solidFill>
+                      <a:schemeClr val="tx1"/>
+                    </a:solidFill>
+                    <a:latin typeface="+mn-lt"/>
+                    <a:ea typeface="+mn-ea"/>
+                    <a:cs typeface="+mn-cs"/>
+                  </a:defRPr>
+                </a:lvl6pPr>
+                <a:lvl7pPr marL="2743200" algn="l" defTabSz="914400" rtl="0" eaLnBrk="1" latinLnBrk="1" hangingPunct="1">
+                  <a:defRPr sz="1800" kern="1200">
+                    <a:solidFill>
+                      <a:schemeClr val="tx1"/>
+                    </a:solidFill>
+                    <a:latin typeface="+mn-lt"/>
+                    <a:ea typeface="+mn-ea"/>
+                    <a:cs typeface="+mn-cs"/>
+                  </a:defRPr>
+                </a:lvl7pPr>
+                <a:lvl8pPr marL="3200400" algn="l" defTabSz="914400" rtl="0" eaLnBrk="1" latinLnBrk="1" hangingPunct="1">
+                  <a:defRPr sz="1800" kern="1200">
+                    <a:solidFill>
+                      <a:schemeClr val="tx1"/>
+                    </a:solidFill>
+                    <a:latin typeface="+mn-lt"/>
+                    <a:ea typeface="+mn-ea"/>
+                    <a:cs typeface="+mn-cs"/>
+                  </a:defRPr>
+                </a:lvl8pPr>
+                <a:lvl9pPr marL="3657600" algn="l" defTabSz="914400" rtl="0" eaLnBrk="1" latinLnBrk="1" hangingPunct="1">
+                  <a:defRPr sz="1800" kern="1200">
+                    <a:solidFill>
+                      <a:schemeClr val="tx1"/>
+                    </a:solidFill>
+                    <a:latin typeface="+mn-lt"/>
+                    <a:ea typeface="+mn-ea"/>
+                    <a:cs typeface="+mn-cs"/>
+                  </a:defRPr>
+                </a:lvl9pPr>
+              </a:lstStyle>
+              <a:p>
+                <a:r>
+                  <a:rPr lang="en-US" altLang="ko-KR" sz="3600" b="1" dirty="0">
+                    <a:latin typeface="HY헤드라인M" panose="02030600000101010101" pitchFamily="18" charset="-127"/>
+                    <a:ea typeface="HY헤드라인M" panose="02030600000101010101" pitchFamily="18" charset="-127"/>
+                  </a:rPr>
+                  <a:t>02. </a:t>
+                </a:r>
+                <a:r>
+                  <a:rPr lang="ko-KR" altLang="en-US" sz="3600" b="1" dirty="0">
+                    <a:latin typeface="HY헤드라인M" panose="02030600000101010101" pitchFamily="18" charset="-127"/>
+                    <a:ea typeface="HY헤드라인M" panose="02030600000101010101" pitchFamily="18" charset="-127"/>
+                  </a:rPr>
+                  <a:t>프로젝트 </a:t>
+                </a:r>
+                <a:r>
+                  <a:rPr lang="en-US" altLang="ko-KR" sz="3600" b="1" dirty="0">
+                    <a:latin typeface="HY헤드라인M" panose="02030600000101010101" pitchFamily="18" charset="-127"/>
+                    <a:ea typeface="HY헤드라인M" panose="02030600000101010101" pitchFamily="18" charset="-127"/>
+                  </a:rPr>
+                  <a:t>ERD</a:t>
+                </a:r>
+                <a:endParaRPr lang="ko-KR" altLang="en-US" sz="3600" b="1" dirty="0">
+                  <a:latin typeface="HY헤드라인M" panose="02030600000101010101" pitchFamily="18" charset="-127"/>
+                  <a:ea typeface="HY헤드라인M" panose="02030600000101010101" pitchFamily="18" charset="-127"/>
+                </a:endParaRPr>
+              </a:p>
+            </p:txBody>
+          </p:sp>
+          <p:sp>
+            <p:nvSpPr>
+              <p:cNvPr id="6" name="직사각형 5">
+                <a:extLst>
+                  <a:ext uri="{FF2B5EF4-FFF2-40B4-BE49-F238E27FC236}">
+                    <a16:creationId xmlns:a16="http://schemas.microsoft.com/office/drawing/2014/main" id="{C6205534-D0D1-4873-B616-10EA18D672E2}"/>
+                  </a:ext>
+                </a:extLst>
+              </p:cNvPr>
+              <p:cNvSpPr/>
+              <p:nvPr/>
+            </p:nvSpPr>
+            <p:spPr>
+              <a:xfrm>
+                <a:off x="568242" y="1763395"/>
+                <a:ext cx="1808379" cy="433090"/>
+              </a:xfrm>
+              <a:prstGeom prst="rect">
+                <a:avLst/>
+              </a:prstGeom>
+              <a:solidFill>
+                <a:schemeClr val="bg1"/>
+              </a:solidFill>
+              <a:ln>
+                <a:noFill/>
+              </a:ln>
+            </p:spPr>
+            <p:style>
+              <a:lnRef idx="2">
+                <a:schemeClr val="accent1">
+                  <a:shade val="50000"/>
+                </a:schemeClr>
+              </a:lnRef>
+              <a:fillRef idx="1">
+                <a:schemeClr val="accent1"/>
+              </a:fillRef>
+              <a:effectRef idx="0">
+                <a:schemeClr val="accent1"/>
+              </a:effectRef>
+              <a:fontRef idx="minor">
+                <a:schemeClr val="lt1"/>
+              </a:fontRef>
+            </p:style>
+            <p:txBody>
+              <a:bodyPr rtlCol="0" anchor="ctr"/>
+              <a:lstStyle>
+                <a:defPPr>
+                  <a:defRPr lang="ko-KR"/>
+                </a:defPPr>
+                <a:lvl1pPr marL="0" algn="l" defTabSz="914400" rtl="0" eaLnBrk="1" latinLnBrk="1" hangingPunct="1">
+                  <a:defRPr sz="1800" kern="1200">
+                    <a:solidFill>
+                      <a:schemeClr val="lt1"/>
+                    </a:solidFill>
+                    <a:latin typeface="+mn-lt"/>
+                    <a:ea typeface="+mn-ea"/>
+                    <a:cs typeface="+mn-cs"/>
+                  </a:defRPr>
+                </a:lvl1pPr>
+                <a:lvl2pPr marL="457200" algn="l" defTabSz="914400" rtl="0" eaLnBrk="1" latinLnBrk="1" hangingPunct="1">
+                  <a:defRPr sz="1800" kern="1200">
+                    <a:solidFill>
+                      <a:schemeClr val="lt1"/>
+                    </a:solidFill>
+                    <a:latin typeface="+mn-lt"/>
+                    <a:ea typeface="+mn-ea"/>
+                    <a:cs typeface="+mn-cs"/>
+                  </a:defRPr>
+                </a:lvl2pPr>
+                <a:lvl3pPr marL="914400" algn="l" defTabSz="914400" rtl="0" eaLnBrk="1" latinLnBrk="1" hangingPunct="1">
+                  <a:defRPr sz="1800" kern="1200">
+                    <a:solidFill>
+                      <a:schemeClr val="lt1"/>
+                    </a:solidFill>
+                    <a:latin typeface="+mn-lt"/>
+                    <a:ea typeface="+mn-ea"/>
+                    <a:cs typeface="+mn-cs"/>
+                  </a:defRPr>
+                </a:lvl3pPr>
+                <a:lvl4pPr marL="1371600" algn="l" defTabSz="914400" rtl="0" eaLnBrk="1" latinLnBrk="1" hangingPunct="1">
+                  <a:defRPr sz="1800" kern="1200">
+                    <a:solidFill>
+                      <a:schemeClr val="lt1"/>
+                    </a:solidFill>
+                    <a:latin typeface="+mn-lt"/>
+                    <a:ea typeface="+mn-ea"/>
+                    <a:cs typeface="+mn-cs"/>
+                  </a:defRPr>
+                </a:lvl4pPr>
+                <a:lvl5pPr marL="1828800" algn="l" defTabSz="914400" rtl="0" eaLnBrk="1" latinLnBrk="1" hangingPunct="1">
+                  <a:defRPr sz="1800" kern="1200">
+                    <a:solidFill>
+                      <a:schemeClr val="lt1"/>
+                    </a:solidFill>
+                    <a:latin typeface="+mn-lt"/>
+                    <a:ea typeface="+mn-ea"/>
+                    <a:cs typeface="+mn-cs"/>
+                  </a:defRPr>
+                </a:lvl5pPr>
+                <a:lvl6pPr marL="2286000" algn="l" defTabSz="914400" rtl="0" eaLnBrk="1" latinLnBrk="1" hangingPunct="1">
+                  <a:defRPr sz="1800" kern="1200">
+                    <a:solidFill>
+                      <a:schemeClr val="lt1"/>
+                    </a:solidFill>
+                    <a:latin typeface="+mn-lt"/>
+                    <a:ea typeface="+mn-ea"/>
+                    <a:cs typeface="+mn-cs"/>
+                  </a:defRPr>
+                </a:lvl6pPr>
+                <a:lvl7pPr marL="2743200" algn="l" defTabSz="914400" rtl="0" eaLnBrk="1" latinLnBrk="1" hangingPunct="1">
+                  <a:defRPr sz="1800" kern="1200">
+                    <a:solidFill>
+                      <a:schemeClr val="lt1"/>
+                    </a:solidFill>
+                    <a:latin typeface="+mn-lt"/>
+                    <a:ea typeface="+mn-ea"/>
+                    <a:cs typeface="+mn-cs"/>
+                  </a:defRPr>
+                </a:lvl7pPr>
+                <a:lvl8pPr marL="3200400" algn="l" defTabSz="914400" rtl="0" eaLnBrk="1" latinLnBrk="1" hangingPunct="1">
+                  <a:defRPr sz="1800" kern="1200">
+                    <a:solidFill>
+                      <a:schemeClr val="lt1"/>
+                    </a:solidFill>
+                    <a:latin typeface="+mn-lt"/>
+                    <a:ea typeface="+mn-ea"/>
+                    <a:cs typeface="+mn-cs"/>
+                  </a:defRPr>
+                </a:lvl8pPr>
+                <a:lvl9pPr marL="3657600" algn="l" defTabSz="914400" rtl="0" eaLnBrk="1" latinLnBrk="1" hangingPunct="1">
+                  <a:defRPr sz="1800" kern="1200">
+                    <a:solidFill>
+                      <a:schemeClr val="lt1"/>
+                    </a:solidFill>
+                    <a:latin typeface="+mn-lt"/>
+                    <a:ea typeface="+mn-ea"/>
+                    <a:cs typeface="+mn-cs"/>
+                  </a:defRPr>
+                </a:lvl9pPr>
+              </a:lstStyle>
+              <a:p>
+                <a:pPr algn="ctr"/>
+                <a:endParaRPr lang="ko-KR" altLang="en-US" sz="1100"/>
+              </a:p>
+            </p:txBody>
+          </p:sp>
+        </p:grpSp>
+      </p:grpSp>
+      <p:graphicFrame>
+        <p:nvGraphicFramePr>
+          <p:cNvPr id="7" name="표 2">
+            <a:extLst>
+              <a:ext uri="{FF2B5EF4-FFF2-40B4-BE49-F238E27FC236}">
+                <a16:creationId xmlns:a16="http://schemas.microsoft.com/office/drawing/2014/main" id="{8465B95A-B3EF-474D-813C-93A9DC8C6309}"/>
+              </a:ext>
+            </a:extLst>
+          </p:cNvPr>
+          <p:cNvGraphicFramePr>
+            <a:graphicFrameLocks noGrp="1"/>
+          </p:cNvGraphicFramePr>
+          <p:nvPr/>
+        </p:nvGraphicFramePr>
+        <p:xfrm>
+          <a:off x="5990888" y="51276"/>
+          <a:ext cx="5174859" cy="853440"/>
+        </p:xfrm>
+        <a:graphic>
+          <a:graphicData uri="http://schemas.openxmlformats.org/drawingml/2006/table">
+            <a:tbl>
+              <a:tblPr firstRow="1" bandRow="1">
+                <a:tableStyleId>{5C22544A-7EE6-4342-B048-85BDC9FD1C3A}</a:tableStyleId>
+              </a:tblPr>
+              <a:tblGrid>
+                <a:gridCol w="1724953">
+                  <a:extLst>
+                    <a:ext uri="{9D8B030D-6E8A-4147-A177-3AD203B41FA5}">
+                      <a16:colId xmlns:a16="http://schemas.microsoft.com/office/drawing/2014/main" val="4170420863"/>
+                    </a:ext>
+                  </a:extLst>
+                </a:gridCol>
+                <a:gridCol w="1724953">
+                  <a:extLst>
+                    <a:ext uri="{9D8B030D-6E8A-4147-A177-3AD203B41FA5}">
+                      <a16:colId xmlns:a16="http://schemas.microsoft.com/office/drawing/2014/main" val="2961652570"/>
+                    </a:ext>
+                  </a:extLst>
+                </a:gridCol>
+                <a:gridCol w="1724953">
+                  <a:extLst>
+                    <a:ext uri="{9D8B030D-6E8A-4147-A177-3AD203B41FA5}">
+                      <a16:colId xmlns:a16="http://schemas.microsoft.com/office/drawing/2014/main" val="3684166858"/>
+                    </a:ext>
+                  </a:extLst>
+                </a:gridCol>
+              </a:tblGrid>
+              <a:tr h="127696">
+                <a:tc>
+                  <a:txBody>
+                    <a:bodyPr/>
+                    <a:lstStyle/>
+                    <a:p>
+                      <a:pPr latinLnBrk="1"/>
+                      <a:r>
+                        <a:rPr lang="en-US" altLang="ko-KR" sz="800" dirty="0"/>
+                        <a:t>ERD</a:t>
+                      </a:r>
+                      <a:endParaRPr lang="ko-KR" altLang="en-US" sz="800" dirty="0"/>
+                    </a:p>
+                  </a:txBody>
+                  <a:tcPr/>
+                </a:tc>
+                <a:tc>
+                  <a:txBody>
+                    <a:bodyPr/>
+                    <a:lstStyle/>
+                    <a:p>
+                      <a:pPr latinLnBrk="1"/>
+                      <a:r>
+                        <a:rPr lang="ko-KR" altLang="en-US" sz="800" dirty="0"/>
+                        <a:t>개념</a:t>
+                      </a:r>
+                    </a:p>
+                  </a:txBody>
+                  <a:tcPr/>
+                </a:tc>
+                <a:tc>
+                  <a:txBody>
+                    <a:bodyPr/>
+                    <a:lstStyle/>
+                    <a:p>
+                      <a:pPr latinLnBrk="1"/>
+                      <a:r>
+                        <a:rPr lang="en-US" altLang="ko-KR" sz="800" dirty="0"/>
+                        <a:t>RDBMS</a:t>
+                      </a:r>
+                      <a:endParaRPr lang="ko-KR" altLang="en-US" sz="800" dirty="0"/>
+                    </a:p>
+                  </a:txBody>
+                  <a:tcPr/>
+                </a:tc>
+                <a:extLst>
+                  <a:ext uri="{0D108BD9-81ED-4DB2-BD59-A6C34878D82A}">
+                    <a16:rowId xmlns:a16="http://schemas.microsoft.com/office/drawing/2014/main" val="3235025125"/>
+                  </a:ext>
+                </a:extLst>
+              </a:tr>
+              <a:tr h="127696">
+                <a:tc>
+                  <a:txBody>
+                    <a:bodyPr/>
+                    <a:lstStyle/>
+                    <a:p>
+                      <a:pPr latinLnBrk="1"/>
+                      <a:r>
+                        <a:rPr lang="en-US" altLang="ko-KR" sz="800" dirty="0"/>
+                        <a:t>Entity</a:t>
+                      </a:r>
+                      <a:endParaRPr lang="ko-KR" altLang="en-US" sz="800" dirty="0"/>
+                    </a:p>
+                  </a:txBody>
+                  <a:tcPr/>
+                </a:tc>
+                <a:tc>
+                  <a:txBody>
+                    <a:bodyPr/>
+                    <a:lstStyle/>
+                    <a:p>
+                      <a:pPr latinLnBrk="1"/>
+                      <a:r>
+                        <a:rPr lang="ko-KR" altLang="en-US" sz="800" dirty="0"/>
+                        <a:t>대상</a:t>
+                      </a:r>
+                    </a:p>
+                  </a:txBody>
+                  <a:tcPr/>
+                </a:tc>
+                <a:tc>
+                  <a:txBody>
+                    <a:bodyPr/>
+                    <a:lstStyle/>
+                    <a:p>
+                      <a:pPr latinLnBrk="1"/>
+                      <a:r>
+                        <a:rPr lang="en-US" altLang="ko-KR" sz="800" dirty="0"/>
+                        <a:t>Table</a:t>
+                      </a:r>
+                      <a:endParaRPr lang="ko-KR" altLang="en-US" sz="800" dirty="0"/>
+                    </a:p>
+                  </a:txBody>
+                  <a:tcPr/>
+                </a:tc>
+                <a:extLst>
+                  <a:ext uri="{0D108BD9-81ED-4DB2-BD59-A6C34878D82A}">
+                    <a16:rowId xmlns:a16="http://schemas.microsoft.com/office/drawing/2014/main" val="3264930224"/>
+                  </a:ext>
+                </a:extLst>
+              </a:tr>
+              <a:tr h="127696">
+                <a:tc>
+                  <a:txBody>
+                    <a:bodyPr/>
+                    <a:lstStyle/>
+                    <a:p>
+                      <a:pPr latinLnBrk="1"/>
+                      <a:r>
+                        <a:rPr lang="en-US" altLang="ko-KR" sz="800" dirty="0"/>
+                        <a:t>Attribute</a:t>
+                      </a:r>
+                      <a:endParaRPr lang="ko-KR" altLang="en-US" sz="800" dirty="0"/>
+                    </a:p>
+                  </a:txBody>
+                  <a:tcPr/>
+                </a:tc>
+                <a:tc>
+                  <a:txBody>
+                    <a:bodyPr/>
+                    <a:lstStyle/>
+                    <a:p>
+                      <a:pPr latinLnBrk="1"/>
+                      <a:r>
+                        <a:rPr lang="ko-KR" altLang="en-US" sz="800" dirty="0"/>
+                        <a:t>쪼갤 수 없는 단위</a:t>
+                      </a:r>
+                    </a:p>
+                  </a:txBody>
+                  <a:tcPr/>
+                </a:tc>
+                <a:tc>
+                  <a:txBody>
+                    <a:bodyPr/>
+                    <a:lstStyle/>
+                    <a:p>
+                      <a:pPr latinLnBrk="1"/>
+                      <a:r>
+                        <a:rPr lang="en-US" altLang="ko-KR" sz="800" dirty="0"/>
+                        <a:t>Column</a:t>
+                      </a:r>
+                      <a:endParaRPr lang="ko-KR" altLang="en-US" sz="800" dirty="0"/>
+                    </a:p>
+                  </a:txBody>
+                  <a:tcPr/>
+                </a:tc>
+                <a:extLst>
+                  <a:ext uri="{0D108BD9-81ED-4DB2-BD59-A6C34878D82A}">
+                    <a16:rowId xmlns:a16="http://schemas.microsoft.com/office/drawing/2014/main" val="1888714591"/>
+                  </a:ext>
+                </a:extLst>
+              </a:tr>
+              <a:tr h="127696">
+                <a:tc>
+                  <a:txBody>
+                    <a:bodyPr/>
+                    <a:lstStyle/>
+                    <a:p>
+                      <a:pPr latinLnBrk="1"/>
+                      <a:r>
+                        <a:rPr lang="en-US" altLang="ko-KR" sz="800" dirty="0"/>
+                        <a:t>Relationship</a:t>
+                      </a:r>
+                      <a:endParaRPr lang="ko-KR" altLang="en-US" sz="800" dirty="0"/>
+                    </a:p>
+                  </a:txBody>
+                  <a:tcPr/>
+                </a:tc>
+                <a:tc>
+                  <a:txBody>
+                    <a:bodyPr/>
+                    <a:lstStyle/>
+                    <a:p>
+                      <a:pPr latinLnBrk="1"/>
+                      <a:r>
+                        <a:rPr lang="ko-KR" altLang="en-US" sz="800" dirty="0"/>
+                        <a:t>연관성</a:t>
+                      </a:r>
+                      <a:r>
+                        <a:rPr lang="en-US" altLang="ko-KR" sz="800" dirty="0"/>
+                        <a:t>, </a:t>
+                      </a:r>
+                      <a:r>
+                        <a:rPr lang="ko-KR" altLang="en-US" sz="800" dirty="0"/>
+                        <a:t>관계</a:t>
+                      </a:r>
+                    </a:p>
+                  </a:txBody>
+                  <a:tcPr/>
+                </a:tc>
+                <a:tc>
+                  <a:txBody>
+                    <a:bodyPr/>
+                    <a:lstStyle/>
+                    <a:p>
+                      <a:pPr latinLnBrk="1"/>
+                      <a:r>
+                        <a:rPr lang="en-US" altLang="ko-KR" sz="800" dirty="0"/>
+                        <a:t>F.K</a:t>
+                      </a:r>
+                      <a:endParaRPr lang="ko-KR" altLang="en-US" sz="800" dirty="0"/>
+                    </a:p>
+                  </a:txBody>
+                  <a:tcPr/>
+                </a:tc>
+                <a:extLst>
+                  <a:ext uri="{0D108BD9-81ED-4DB2-BD59-A6C34878D82A}">
+                    <a16:rowId xmlns:a16="http://schemas.microsoft.com/office/drawing/2014/main" val="824849853"/>
+                  </a:ext>
+                </a:extLst>
+              </a:tr>
+            </a:tbl>
+          </a:graphicData>
+        </a:graphic>
+      </p:graphicFrame>
+      <p:sp>
+        <p:nvSpPr>
+          <p:cNvPr id="8" name="TextBox 7">
+            <a:extLst>
+              <a:ext uri="{FF2B5EF4-FFF2-40B4-BE49-F238E27FC236}">
+                <a16:creationId xmlns:a16="http://schemas.microsoft.com/office/drawing/2014/main" id="{79492874-E8D6-460A-9AEF-47E7BCB923E9}"/>
+              </a:ext>
+            </a:extLst>
+          </p:cNvPr>
+          <p:cNvSpPr txBox="1"/>
+          <p:nvPr/>
+        </p:nvSpPr>
+        <p:spPr>
+          <a:xfrm>
+            <a:off x="414426" y="2645107"/>
+            <a:ext cx="2473754" cy="461665"/>
+          </a:xfrm>
+          <a:prstGeom prst="rect">
+            <a:avLst/>
+          </a:prstGeom>
+          <a:noFill/>
+        </p:spPr>
+        <p:txBody>
+          <a:bodyPr wrap="none" rtlCol="0">
+            <a:spAutoFit/>
+          </a:bodyPr>
+          <a:lstStyle/>
+          <a:p>
+            <a:r>
+              <a:rPr lang="ko-KR" altLang="en-US" sz="2400" b="1" dirty="0"/>
+              <a:t>□ </a:t>
+            </a:r>
+            <a:r>
+              <a:rPr lang="en-US" altLang="ko-KR" sz="2400" b="1" dirty="0"/>
+              <a:t>Entity </a:t>
+            </a:r>
+            <a:r>
+              <a:rPr lang="ko-KR" altLang="en-US" sz="2400" b="1" dirty="0"/>
+              <a:t>리스트</a:t>
+            </a:r>
+          </a:p>
+        </p:txBody>
+      </p:sp>
+      <p:sp>
+        <p:nvSpPr>
+          <p:cNvPr id="9" name="TextBox 8">
+            <a:extLst>
+              <a:ext uri="{FF2B5EF4-FFF2-40B4-BE49-F238E27FC236}">
+                <a16:creationId xmlns:a16="http://schemas.microsoft.com/office/drawing/2014/main" id="{E1064E3B-BD7C-4889-9C6B-30B62E82FA6B}"/>
+              </a:ext>
+            </a:extLst>
+          </p:cNvPr>
+          <p:cNvSpPr txBox="1"/>
+          <p:nvPr/>
+        </p:nvSpPr>
+        <p:spPr>
+          <a:xfrm>
+            <a:off x="414426" y="3876793"/>
+            <a:ext cx="2956194" cy="461665"/>
+          </a:xfrm>
+          <a:prstGeom prst="rect">
+            <a:avLst/>
+          </a:prstGeom>
+          <a:noFill/>
+        </p:spPr>
+        <p:txBody>
+          <a:bodyPr wrap="none" rtlCol="0">
+            <a:spAutoFit/>
+          </a:bodyPr>
+          <a:lstStyle/>
+          <a:p>
+            <a:r>
+              <a:rPr lang="ko-KR" altLang="en-US" sz="2400" b="1" dirty="0"/>
+              <a:t>□ </a:t>
+            </a:r>
+            <a:r>
+              <a:rPr lang="en-US" altLang="ko-KR" sz="2400" b="1" dirty="0"/>
+              <a:t>Attribute </a:t>
+            </a:r>
+            <a:r>
+              <a:rPr lang="ko-KR" altLang="en-US" sz="2400" b="1" dirty="0"/>
+              <a:t>리스트</a:t>
+            </a:r>
+          </a:p>
+        </p:txBody>
+      </p:sp>
+      <p:sp>
+        <p:nvSpPr>
+          <p:cNvPr id="10" name="TextBox 9">
+            <a:extLst>
+              <a:ext uri="{FF2B5EF4-FFF2-40B4-BE49-F238E27FC236}">
+                <a16:creationId xmlns:a16="http://schemas.microsoft.com/office/drawing/2014/main" id="{FB4CFBDF-A67F-4897-9570-F117DE0B4E3E}"/>
+              </a:ext>
+            </a:extLst>
+          </p:cNvPr>
+          <p:cNvSpPr txBox="1"/>
+          <p:nvPr/>
+        </p:nvSpPr>
+        <p:spPr>
+          <a:xfrm>
+            <a:off x="414426" y="5238203"/>
+            <a:ext cx="3438377" cy="461665"/>
+          </a:xfrm>
+          <a:prstGeom prst="rect">
+            <a:avLst/>
+          </a:prstGeom>
+          <a:noFill/>
+        </p:spPr>
+        <p:txBody>
+          <a:bodyPr wrap="none" rtlCol="0">
+            <a:spAutoFit/>
+          </a:bodyPr>
+          <a:lstStyle/>
+          <a:p>
+            <a:r>
+              <a:rPr lang="ko-KR" altLang="en-US" sz="2400" b="1" dirty="0"/>
+              <a:t>□ </a:t>
+            </a:r>
+            <a:r>
+              <a:rPr lang="en-US" altLang="ko-KR" sz="2400" b="1" dirty="0"/>
+              <a:t>Relationship </a:t>
+            </a:r>
+            <a:r>
+              <a:rPr lang="ko-KR" altLang="en-US" sz="2400" b="1" dirty="0"/>
+              <a:t>리스트</a:t>
+            </a:r>
+          </a:p>
+        </p:txBody>
+      </p:sp>
+      <p:graphicFrame>
+        <p:nvGraphicFramePr>
+          <p:cNvPr id="11" name="표 3">
+            <a:extLst>
+              <a:ext uri="{FF2B5EF4-FFF2-40B4-BE49-F238E27FC236}">
+                <a16:creationId xmlns:a16="http://schemas.microsoft.com/office/drawing/2014/main" id="{B8B35802-6325-499A-A797-B3AA9193B395}"/>
+              </a:ext>
+            </a:extLst>
+          </p:cNvPr>
+          <p:cNvGraphicFramePr>
+            <a:graphicFrameLocks noGrp="1"/>
+          </p:cNvGraphicFramePr>
+          <p:nvPr>
+            <p:extLst>
+              <p:ext uri="{D42A27DB-BD31-4B8C-83A1-F6EECF244321}">
+                <p14:modId xmlns:p14="http://schemas.microsoft.com/office/powerpoint/2010/main" val="1250838696"/>
+              </p:ext>
+            </p:extLst>
+          </p:nvPr>
+        </p:nvGraphicFramePr>
+        <p:xfrm>
+          <a:off x="518833" y="1075861"/>
+          <a:ext cx="11258741" cy="5747620"/>
+        </p:xfrm>
+        <a:graphic>
+          <a:graphicData uri="http://schemas.openxmlformats.org/drawingml/2006/table">
+            <a:tbl>
+              <a:tblPr firstRow="1" bandRow="1">
+                <a:tableStyleId>{5C22544A-7EE6-4342-B048-85BDC9FD1C3A}</a:tableStyleId>
+              </a:tblPr>
+              <a:tblGrid>
+                <a:gridCol w="508920">
+                  <a:extLst>
+                    <a:ext uri="{9D8B030D-6E8A-4147-A177-3AD203B41FA5}">
+                      <a16:colId xmlns:a16="http://schemas.microsoft.com/office/drawing/2014/main" val="3479680749"/>
+                    </a:ext>
+                  </a:extLst>
+                </a:gridCol>
+                <a:gridCol w="1922358">
+                  <a:extLst>
+                    <a:ext uri="{9D8B030D-6E8A-4147-A177-3AD203B41FA5}">
+                      <a16:colId xmlns:a16="http://schemas.microsoft.com/office/drawing/2014/main" val="191704392"/>
+                    </a:ext>
+                  </a:extLst>
+                </a:gridCol>
+                <a:gridCol w="2479134">
+                  <a:extLst>
+                    <a:ext uri="{9D8B030D-6E8A-4147-A177-3AD203B41FA5}">
+                      <a16:colId xmlns:a16="http://schemas.microsoft.com/office/drawing/2014/main" val="582628319"/>
+                    </a:ext>
+                  </a:extLst>
+                </a:gridCol>
+                <a:gridCol w="3660874">
+                  <a:extLst>
+                    <a:ext uri="{9D8B030D-6E8A-4147-A177-3AD203B41FA5}">
+                      <a16:colId xmlns:a16="http://schemas.microsoft.com/office/drawing/2014/main" val="927414362"/>
+                    </a:ext>
+                  </a:extLst>
+                </a:gridCol>
+                <a:gridCol w="2687455">
+                  <a:extLst>
+                    <a:ext uri="{9D8B030D-6E8A-4147-A177-3AD203B41FA5}">
+                      <a16:colId xmlns:a16="http://schemas.microsoft.com/office/drawing/2014/main" val="2944193007"/>
+                    </a:ext>
+                  </a:extLst>
+                </a:gridCol>
+              </a:tblGrid>
+              <a:tr h="445804">
+                <a:tc>
+                  <a:txBody>
+                    <a:bodyPr/>
+                    <a:lstStyle/>
+                    <a:p>
+                      <a:pPr algn="ctr" latinLnBrk="1"/>
+                      <a:endParaRPr lang="ko-KR" altLang="en-US" sz="800" dirty="0"/>
+                    </a:p>
+                  </a:txBody>
+                  <a:tcPr anchor="ctr"/>
+                </a:tc>
+                <a:tc>
+                  <a:txBody>
+                    <a:bodyPr/>
+                    <a:lstStyle/>
+                    <a:p>
+                      <a:pPr algn="ctr" latinLnBrk="1"/>
+                      <a:r>
+                        <a:rPr lang="ko-KR" altLang="en-US" sz="800" dirty="0"/>
+                        <a:t>구분</a:t>
+                      </a:r>
+                      <a:endParaRPr lang="en-US" altLang="ko-KR" sz="800" dirty="0"/>
+                    </a:p>
+                    <a:p>
+                      <a:pPr algn="ctr" latinLnBrk="1"/>
+                      <a:r>
+                        <a:rPr lang="en-US" altLang="ko-KR" sz="800" dirty="0"/>
+                        <a:t>(Code data/</a:t>
+                      </a:r>
+                    </a:p>
+                    <a:p>
+                      <a:pPr algn="ctr" latinLnBrk="1"/>
+                      <a:r>
+                        <a:rPr lang="en-US" altLang="ko-KR" sz="800" dirty="0"/>
+                        <a:t>History data)</a:t>
+                      </a:r>
+                      <a:endParaRPr lang="ko-KR" altLang="en-US" sz="800" dirty="0"/>
+                    </a:p>
+                  </a:txBody>
+                  <a:tcPr anchor="ctr"/>
+                </a:tc>
+                <a:tc>
+                  <a:txBody>
+                    <a:bodyPr/>
+                    <a:lstStyle/>
+                    <a:p>
+                      <a:pPr algn="ctr" latinLnBrk="1"/>
+                      <a:r>
+                        <a:rPr lang="en-US" altLang="ko-KR" sz="800" dirty="0"/>
+                        <a:t>Entity</a:t>
+                      </a:r>
+                      <a:endParaRPr lang="ko-KR" altLang="en-US" sz="800" dirty="0"/>
+                    </a:p>
+                  </a:txBody>
+                  <a:tcPr anchor="ctr"/>
+                </a:tc>
+                <a:tc>
+                  <a:txBody>
+                    <a:bodyPr/>
+                    <a:lstStyle/>
+                    <a:p>
+                      <a:pPr algn="ctr" latinLnBrk="1"/>
+                      <a:r>
+                        <a:rPr lang="en-US" altLang="ko-KR" sz="800" dirty="0"/>
+                        <a:t>Attribute</a:t>
+                      </a:r>
+                      <a:endParaRPr lang="ko-KR" altLang="en-US" sz="800" dirty="0"/>
+                    </a:p>
+                  </a:txBody>
+                  <a:tcPr anchor="ctr"/>
+                </a:tc>
+                <a:tc>
+                  <a:txBody>
+                    <a:bodyPr/>
+                    <a:lstStyle/>
+                    <a:p>
+                      <a:pPr algn="ctr" latinLnBrk="1"/>
+                      <a:r>
+                        <a:rPr lang="en-US" altLang="ko-KR" sz="800" dirty="0"/>
+                        <a:t>Relationship</a:t>
+                      </a:r>
+                      <a:endParaRPr lang="ko-KR" altLang="en-US" sz="800" dirty="0"/>
+                    </a:p>
+                  </a:txBody>
+                  <a:tcPr anchor="ctr"/>
+                </a:tc>
+                <a:extLst>
+                  <a:ext uri="{0D108BD9-81ED-4DB2-BD59-A6C34878D82A}">
+                    <a16:rowId xmlns:a16="http://schemas.microsoft.com/office/drawing/2014/main" val="2290521972"/>
+                  </a:ext>
+                </a:extLst>
+              </a:tr>
+              <a:tr h="458938">
+                <a:tc>
+                  <a:txBody>
+                    <a:bodyPr/>
+                    <a:lstStyle/>
+                    <a:p>
+                      <a:pPr algn="ctr" latinLnBrk="1"/>
+                      <a:r>
+                        <a:rPr lang="en-US" altLang="ko-KR" sz="800" dirty="0"/>
+                        <a:t>1</a:t>
+                      </a:r>
+                      <a:endParaRPr lang="ko-KR" altLang="en-US" sz="800" dirty="0"/>
+                    </a:p>
+                  </a:txBody>
+                  <a:tcPr anchor="ctr"/>
+                </a:tc>
+                <a:tc>
+                  <a:txBody>
+                    <a:bodyPr/>
+                    <a:lstStyle/>
+                    <a:p>
+                      <a:pPr algn="ctr" latinLnBrk="1"/>
+                      <a:endParaRPr lang="ko-KR" altLang="en-US" sz="800" dirty="0"/>
+                    </a:p>
+                  </a:txBody>
+                  <a:tcPr anchor="ctr"/>
+                </a:tc>
+                <a:tc>
+                  <a:txBody>
+                    <a:bodyPr/>
+                    <a:lstStyle/>
+                    <a:p>
+                      <a:pPr algn="ctr" latinLnBrk="1"/>
+                      <a:r>
+                        <a:rPr lang="ko-KR" altLang="en-US" sz="800" dirty="0"/>
+                        <a:t>금융상품</a:t>
+                      </a:r>
+                    </a:p>
+                  </a:txBody>
+                  <a:tcPr anchor="ctr"/>
+                </a:tc>
+                <a:tc>
+                  <a:txBody>
+                    <a:bodyPr/>
+                    <a:lstStyle/>
+                    <a:p>
+                      <a:pPr marL="171450" indent="-171450" algn="l" latinLnBrk="1">
+                        <a:buFont typeface="Arial" panose="020B0604020202020204" pitchFamily="34" charset="0"/>
+                        <a:buChar char="•"/>
+                      </a:pPr>
+                      <a:r>
+                        <a:rPr lang="ko-KR" altLang="en-US" sz="800" dirty="0"/>
+                        <a:t>시퀀스</a:t>
+                      </a:r>
+                      <a:endParaRPr lang="en-US" altLang="ko-KR" sz="800" dirty="0"/>
+                    </a:p>
+                    <a:p>
+                      <a:pPr marL="171450" indent="-171450" algn="l" latinLnBrk="1">
+                        <a:buFont typeface="Arial" panose="020B0604020202020204" pitchFamily="34" charset="0"/>
+                        <a:buChar char="•"/>
+                      </a:pPr>
+                      <a:r>
+                        <a:rPr lang="ko-KR" altLang="en-US" sz="800" dirty="0"/>
+                        <a:t>링크</a:t>
+                      </a:r>
+                      <a:endParaRPr lang="en-US" altLang="ko-KR" sz="800" dirty="0"/>
+                    </a:p>
+                    <a:p>
+                      <a:pPr marL="171450" indent="-171450" algn="l" latinLnBrk="1">
+                        <a:buFont typeface="Arial" panose="020B0604020202020204" pitchFamily="34" charset="0"/>
+                        <a:buChar char="•"/>
+                      </a:pPr>
+                      <a:r>
+                        <a:rPr lang="ko-KR" altLang="en-US" sz="800" dirty="0"/>
+                        <a:t>상품명</a:t>
+                      </a:r>
+                      <a:endParaRPr lang="en-US" altLang="ko-KR" sz="800" dirty="0"/>
+                    </a:p>
+                    <a:p>
+                      <a:pPr marL="171450" indent="-171450" algn="l" latinLnBrk="1">
+                        <a:buFont typeface="Arial" panose="020B0604020202020204" pitchFamily="34" charset="0"/>
+                        <a:buChar char="•"/>
+                      </a:pPr>
+                      <a:r>
+                        <a:rPr lang="ko-KR" altLang="en-US" sz="800" dirty="0"/>
+                        <a:t>상품소개</a:t>
+                      </a:r>
+                      <a:endParaRPr lang="en-US" altLang="ko-KR" sz="800" dirty="0"/>
+                    </a:p>
+                    <a:p>
+                      <a:pPr marL="171450" indent="-171450" algn="l" latinLnBrk="1">
+                        <a:buFont typeface="Arial" panose="020B0604020202020204" pitchFamily="34" charset="0"/>
+                        <a:buChar char="•"/>
+                      </a:pPr>
+                      <a:r>
+                        <a:rPr lang="ko-KR" altLang="en-US" sz="800" dirty="0"/>
+                        <a:t>상품분류코드</a:t>
+                      </a:r>
+                    </a:p>
+                  </a:txBody>
+                  <a:tcPr anchor="ctr"/>
+                </a:tc>
+                <a:tc>
+                  <a:txBody>
+                    <a:bodyPr/>
+                    <a:lstStyle/>
+                    <a:p>
+                      <a:pPr algn="ctr" latinLnBrk="1"/>
+                      <a:endParaRPr lang="ko-KR" altLang="en-US" sz="800" dirty="0"/>
+                    </a:p>
+                  </a:txBody>
+                  <a:tcPr anchor="ctr"/>
+                </a:tc>
+                <a:extLst>
+                  <a:ext uri="{0D108BD9-81ED-4DB2-BD59-A6C34878D82A}">
+                    <a16:rowId xmlns:a16="http://schemas.microsoft.com/office/drawing/2014/main" val="269553044"/>
+                  </a:ext>
+                </a:extLst>
+              </a:tr>
+              <a:tr h="458938">
+                <a:tc>
+                  <a:txBody>
+                    <a:bodyPr/>
+                    <a:lstStyle/>
+                    <a:p>
+                      <a:pPr algn="ctr" latinLnBrk="1"/>
+                      <a:r>
+                        <a:rPr lang="en-US" altLang="ko-KR" sz="800" dirty="0"/>
+                        <a:t>2</a:t>
+                      </a:r>
+                      <a:endParaRPr lang="ko-KR" altLang="en-US" sz="800" dirty="0"/>
+                    </a:p>
+                  </a:txBody>
+                  <a:tcPr anchor="ctr"/>
+                </a:tc>
+                <a:tc>
+                  <a:txBody>
+                    <a:bodyPr/>
+                    <a:lstStyle/>
+                    <a:p>
+                      <a:pPr algn="ctr" latinLnBrk="1"/>
+                      <a:endParaRPr lang="ko-KR" altLang="en-US" sz="800" dirty="0"/>
+                    </a:p>
+                  </a:txBody>
+                  <a:tcPr anchor="ctr"/>
+                </a:tc>
+                <a:tc>
+                  <a:txBody>
+                    <a:bodyPr/>
+                    <a:lstStyle/>
+                    <a:p>
+                      <a:pPr algn="ctr" latinLnBrk="1"/>
+                      <a:r>
+                        <a:rPr lang="ko-KR" altLang="en-US" sz="800" dirty="0"/>
+                        <a:t>상품분류코드</a:t>
+                      </a:r>
+                    </a:p>
+                  </a:txBody>
+                  <a:tcPr anchor="ctr"/>
+                </a:tc>
+                <a:tc>
+                  <a:txBody>
+                    <a:bodyPr/>
+                    <a:lstStyle/>
+                    <a:p>
+                      <a:pPr marL="171450" indent="-171450" algn="l" latinLnBrk="1">
+                        <a:buFont typeface="Arial" panose="020B0604020202020204" pitchFamily="34" charset="0"/>
+                        <a:buChar char="•"/>
+                      </a:pPr>
+                      <a:r>
+                        <a:rPr lang="ko-KR" altLang="en-US" sz="800" dirty="0"/>
+                        <a:t>상품코드</a:t>
+                      </a:r>
+                      <a:endParaRPr lang="en-US" altLang="ko-KR" sz="800" dirty="0"/>
+                    </a:p>
+                    <a:p>
+                      <a:pPr marL="171450" indent="-171450" algn="l" latinLnBrk="1">
+                        <a:buFont typeface="Arial" panose="020B0604020202020204" pitchFamily="34" charset="0"/>
+                        <a:buChar char="•"/>
+                      </a:pPr>
+                      <a:r>
+                        <a:rPr lang="ko-KR" altLang="en-US" sz="800" dirty="0"/>
+                        <a:t>상품분류</a:t>
+                      </a:r>
+                    </a:p>
+                  </a:txBody>
+                  <a:tcPr anchor="ctr"/>
+                </a:tc>
+                <a:tc>
+                  <a:txBody>
+                    <a:bodyPr/>
+                    <a:lstStyle/>
+                    <a:p>
+                      <a:pPr algn="ctr" latinLnBrk="1"/>
+                      <a:endParaRPr lang="ko-KR" altLang="en-US" sz="800" dirty="0"/>
+                    </a:p>
+                  </a:txBody>
+                  <a:tcPr anchor="ctr"/>
+                </a:tc>
+                <a:extLst>
+                  <a:ext uri="{0D108BD9-81ED-4DB2-BD59-A6C34878D82A}">
+                    <a16:rowId xmlns:a16="http://schemas.microsoft.com/office/drawing/2014/main" val="413014564"/>
+                  </a:ext>
+                </a:extLst>
+              </a:tr>
+              <a:tr h="458938">
+                <a:tc>
+                  <a:txBody>
+                    <a:bodyPr/>
+                    <a:lstStyle/>
+                    <a:p>
+                      <a:pPr algn="ctr" latinLnBrk="1"/>
+                      <a:r>
+                        <a:rPr lang="en-US" altLang="ko-KR" sz="800" dirty="0"/>
+                        <a:t>3</a:t>
+                      </a:r>
+                      <a:endParaRPr lang="ko-KR" altLang="en-US" sz="800" dirty="0"/>
+                    </a:p>
+                  </a:txBody>
+                  <a:tcPr anchor="ctr"/>
+                </a:tc>
+                <a:tc>
+                  <a:txBody>
+                    <a:bodyPr/>
+                    <a:lstStyle/>
+                    <a:p>
+                      <a:pPr algn="ctr" latinLnBrk="1"/>
+                      <a:endParaRPr lang="ko-KR" altLang="en-US" sz="800" dirty="0"/>
+                    </a:p>
+                  </a:txBody>
+                  <a:tcPr anchor="ctr"/>
+                </a:tc>
+                <a:tc>
+                  <a:txBody>
+                    <a:bodyPr/>
+                    <a:lstStyle/>
+                    <a:p>
+                      <a:pPr algn="ctr" latinLnBrk="1"/>
+                      <a:endParaRPr lang="ko-KR" altLang="en-US" sz="800" dirty="0"/>
+                    </a:p>
+                  </a:txBody>
+                  <a:tcPr anchor="ctr"/>
+                </a:tc>
+                <a:tc>
+                  <a:txBody>
+                    <a:bodyPr/>
+                    <a:lstStyle/>
+                    <a:p>
+                      <a:pPr marL="171450" indent="-171450" algn="l" latinLnBrk="1">
+                        <a:buFont typeface="Arial" panose="020B0604020202020204" pitchFamily="34" charset="0"/>
+                        <a:buChar char="•"/>
+                      </a:pPr>
+                      <a:endParaRPr lang="ko-KR" altLang="en-US" sz="800" dirty="0"/>
+                    </a:p>
+                  </a:txBody>
+                  <a:tcPr anchor="ctr"/>
+                </a:tc>
+                <a:tc>
+                  <a:txBody>
+                    <a:bodyPr/>
+                    <a:lstStyle/>
+                    <a:p>
+                      <a:pPr algn="ctr" latinLnBrk="1"/>
+                      <a:endParaRPr lang="ko-KR" altLang="en-US" sz="800" dirty="0"/>
+                    </a:p>
+                  </a:txBody>
+                  <a:tcPr anchor="ctr"/>
+                </a:tc>
+                <a:extLst>
+                  <a:ext uri="{0D108BD9-81ED-4DB2-BD59-A6C34878D82A}">
+                    <a16:rowId xmlns:a16="http://schemas.microsoft.com/office/drawing/2014/main" val="1442481553"/>
+                  </a:ext>
+                </a:extLst>
+              </a:tr>
+              <a:tr h="458938">
+                <a:tc>
+                  <a:txBody>
+                    <a:bodyPr/>
+                    <a:lstStyle/>
+                    <a:p>
+                      <a:pPr algn="ctr" latinLnBrk="1"/>
+                      <a:r>
+                        <a:rPr lang="en-US" altLang="ko-KR" sz="800" dirty="0"/>
+                        <a:t>4</a:t>
+                      </a:r>
+                      <a:endParaRPr lang="ko-KR" altLang="en-US" sz="800" dirty="0"/>
+                    </a:p>
+                  </a:txBody>
+                  <a:tcPr anchor="ctr"/>
+                </a:tc>
+                <a:tc>
+                  <a:txBody>
+                    <a:bodyPr/>
+                    <a:lstStyle/>
+                    <a:p>
+                      <a:pPr algn="ctr" latinLnBrk="1"/>
+                      <a:endParaRPr lang="ko-KR" altLang="en-US" sz="800" dirty="0"/>
+                    </a:p>
+                  </a:txBody>
+                  <a:tcPr anchor="ctr"/>
+                </a:tc>
+                <a:tc>
+                  <a:txBody>
+                    <a:bodyPr/>
+                    <a:lstStyle/>
+                    <a:p>
+                      <a:pPr algn="ctr" latinLnBrk="1"/>
+                      <a:endParaRPr lang="ko-KR" altLang="en-US" sz="800" dirty="0"/>
+                    </a:p>
+                  </a:txBody>
+                  <a:tcPr anchor="ctr"/>
+                </a:tc>
+                <a:tc>
+                  <a:txBody>
+                    <a:bodyPr/>
+                    <a:lstStyle/>
+                    <a:p>
+                      <a:pPr marL="171450" indent="-171450" algn="l" latinLnBrk="1">
+                        <a:buFont typeface="Arial" panose="020B0604020202020204" pitchFamily="34" charset="0"/>
+                        <a:buChar char="•"/>
+                      </a:pPr>
+                      <a:endParaRPr lang="ko-KR" altLang="en-US" sz="800" dirty="0"/>
+                    </a:p>
+                  </a:txBody>
+                  <a:tcPr anchor="ctr"/>
+                </a:tc>
+                <a:tc>
+                  <a:txBody>
+                    <a:bodyPr/>
+                    <a:lstStyle/>
+                    <a:p>
+                      <a:pPr algn="ctr" latinLnBrk="1"/>
+                      <a:endParaRPr lang="ko-KR" altLang="en-US" sz="800" dirty="0"/>
+                    </a:p>
+                  </a:txBody>
+                  <a:tcPr anchor="ctr"/>
+                </a:tc>
+                <a:extLst>
+                  <a:ext uri="{0D108BD9-81ED-4DB2-BD59-A6C34878D82A}">
+                    <a16:rowId xmlns:a16="http://schemas.microsoft.com/office/drawing/2014/main" val="631125906"/>
+                  </a:ext>
+                </a:extLst>
+              </a:tr>
+              <a:tr h="458938">
+                <a:tc>
+                  <a:txBody>
+                    <a:bodyPr/>
+                    <a:lstStyle/>
+                    <a:p>
+                      <a:pPr algn="ctr" latinLnBrk="1"/>
+                      <a:r>
+                        <a:rPr lang="en-US" altLang="ko-KR" sz="800" dirty="0"/>
+                        <a:t>5</a:t>
+                      </a:r>
+                      <a:endParaRPr lang="ko-KR" altLang="en-US" sz="800" dirty="0"/>
+                    </a:p>
+                  </a:txBody>
+                  <a:tcPr anchor="ctr"/>
+                </a:tc>
+                <a:tc>
+                  <a:txBody>
+                    <a:bodyPr/>
+                    <a:lstStyle/>
+                    <a:p>
+                      <a:pPr algn="ctr" latinLnBrk="1"/>
+                      <a:endParaRPr lang="ko-KR" altLang="en-US" sz="800" dirty="0"/>
+                    </a:p>
+                  </a:txBody>
+                  <a:tcPr anchor="ctr"/>
+                </a:tc>
+                <a:tc>
+                  <a:txBody>
+                    <a:bodyPr/>
+                    <a:lstStyle/>
+                    <a:p>
+                      <a:pPr algn="ctr" latinLnBrk="1"/>
+                      <a:endParaRPr lang="ko-KR" altLang="en-US" sz="800" dirty="0"/>
+                    </a:p>
+                  </a:txBody>
+                  <a:tcPr anchor="ctr"/>
+                </a:tc>
+                <a:tc>
+                  <a:txBody>
+                    <a:bodyPr/>
+                    <a:lstStyle/>
+                    <a:p>
+                      <a:pPr marL="171450" indent="-171450" algn="l" latinLnBrk="1">
+                        <a:buFont typeface="Arial" panose="020B0604020202020204" pitchFamily="34" charset="0"/>
+                        <a:buChar char="•"/>
+                      </a:pPr>
+                      <a:endParaRPr lang="en-US" altLang="ko-KR" sz="800" dirty="0"/>
+                    </a:p>
+                  </a:txBody>
+                  <a:tcPr anchor="ctr"/>
+                </a:tc>
+                <a:tc>
+                  <a:txBody>
+                    <a:bodyPr/>
+                    <a:lstStyle/>
+                    <a:p>
+                      <a:pPr algn="ctr" latinLnBrk="1"/>
+                      <a:endParaRPr lang="ko-KR" altLang="en-US" sz="800" dirty="0"/>
+                    </a:p>
+                  </a:txBody>
+                  <a:tcPr anchor="ctr"/>
+                </a:tc>
+                <a:extLst>
+                  <a:ext uri="{0D108BD9-81ED-4DB2-BD59-A6C34878D82A}">
+                    <a16:rowId xmlns:a16="http://schemas.microsoft.com/office/drawing/2014/main" val="2049477706"/>
+                  </a:ext>
+                </a:extLst>
+              </a:tr>
+              <a:tr h="458938">
+                <a:tc>
+                  <a:txBody>
+                    <a:bodyPr/>
+                    <a:lstStyle/>
+                    <a:p>
+                      <a:pPr algn="ctr" latinLnBrk="1"/>
+                      <a:r>
+                        <a:rPr lang="en-US" altLang="ko-KR" sz="800" dirty="0"/>
+                        <a:t>6</a:t>
+                      </a:r>
+                      <a:endParaRPr lang="ko-KR" altLang="en-US" sz="800" dirty="0"/>
+                    </a:p>
+                  </a:txBody>
+                  <a:tcPr anchor="ctr"/>
+                </a:tc>
+                <a:tc>
+                  <a:txBody>
+                    <a:bodyPr/>
+                    <a:lstStyle/>
+                    <a:p>
+                      <a:pPr algn="ctr" latinLnBrk="1"/>
+                      <a:endParaRPr lang="ko-KR" altLang="en-US" sz="800" dirty="0"/>
+                    </a:p>
+                  </a:txBody>
+                  <a:tcPr anchor="ctr"/>
+                </a:tc>
+                <a:tc>
+                  <a:txBody>
+                    <a:bodyPr/>
+                    <a:lstStyle/>
+                    <a:p>
+                      <a:pPr marL="0" marR="0" lvl="0" indent="0" algn="ctr" defTabSz="914400" rtl="0" eaLnBrk="1" fontAlgn="auto" latinLnBrk="1" hangingPunct="1">
+                        <a:lnSpc>
+                          <a:spcPct val="100000"/>
+                        </a:lnSpc>
+                        <a:spcBef>
+                          <a:spcPts val="0"/>
+                        </a:spcBef>
+                        <a:spcAft>
+                          <a:spcPts val="0"/>
+                        </a:spcAft>
+                        <a:buClrTx/>
+                        <a:buSzTx/>
+                        <a:buFontTx/>
+                        <a:buNone/>
+                        <a:tabLst/>
+                        <a:defRPr/>
+                      </a:pPr>
+                      <a:endParaRPr lang="ko-KR" altLang="en-US" sz="800" dirty="0"/>
+                    </a:p>
+                  </a:txBody>
+                  <a:tcPr anchor="ctr"/>
+                </a:tc>
+                <a:tc>
+                  <a:txBody>
+                    <a:bodyPr/>
+                    <a:lstStyle/>
+                    <a:p>
+                      <a:pPr marL="171450" indent="-171450" algn="l" latinLnBrk="1">
+                        <a:buFont typeface="Arial" panose="020B0604020202020204" pitchFamily="34" charset="0"/>
+                        <a:buChar char="•"/>
+                      </a:pPr>
+                      <a:endParaRPr lang="ko-KR" altLang="en-US" sz="800" dirty="0"/>
+                    </a:p>
+                  </a:txBody>
+                  <a:tcPr anchor="ctr"/>
+                </a:tc>
+                <a:tc>
+                  <a:txBody>
+                    <a:bodyPr/>
+                    <a:lstStyle/>
+                    <a:p>
+                      <a:pPr algn="ctr" latinLnBrk="1"/>
+                      <a:endParaRPr lang="ko-KR" altLang="en-US" sz="800" dirty="0"/>
+                    </a:p>
+                  </a:txBody>
+                  <a:tcPr anchor="ctr"/>
+                </a:tc>
+                <a:extLst>
+                  <a:ext uri="{0D108BD9-81ED-4DB2-BD59-A6C34878D82A}">
+                    <a16:rowId xmlns:a16="http://schemas.microsoft.com/office/drawing/2014/main" val="3390567414"/>
+                  </a:ext>
+                </a:extLst>
+              </a:tr>
+              <a:tr h="458938">
+                <a:tc>
+                  <a:txBody>
+                    <a:bodyPr/>
+                    <a:lstStyle/>
+                    <a:p>
+                      <a:pPr algn="ctr" latinLnBrk="1"/>
+                      <a:r>
+                        <a:rPr lang="en-US" altLang="ko-KR" sz="800" dirty="0"/>
+                        <a:t>7</a:t>
+                      </a:r>
+                      <a:endParaRPr lang="ko-KR" altLang="en-US" sz="800" dirty="0"/>
+                    </a:p>
+                  </a:txBody>
+                  <a:tcPr anchor="ctr"/>
+                </a:tc>
+                <a:tc>
+                  <a:txBody>
+                    <a:bodyPr/>
+                    <a:lstStyle/>
+                    <a:p>
+                      <a:pPr algn="ctr" latinLnBrk="1"/>
+                      <a:endParaRPr lang="ko-KR" altLang="en-US" sz="800" dirty="0"/>
+                    </a:p>
+                  </a:txBody>
+                  <a:tcPr anchor="ctr"/>
+                </a:tc>
+                <a:tc>
+                  <a:txBody>
+                    <a:bodyPr/>
+                    <a:lstStyle/>
+                    <a:p>
+                      <a:pPr marL="0" marR="0" lvl="0" indent="0" algn="ctr" defTabSz="914400" rtl="0" eaLnBrk="1" fontAlgn="auto" latinLnBrk="1" hangingPunct="1">
+                        <a:lnSpc>
+                          <a:spcPct val="100000"/>
+                        </a:lnSpc>
+                        <a:spcBef>
+                          <a:spcPts val="0"/>
+                        </a:spcBef>
+                        <a:spcAft>
+                          <a:spcPts val="0"/>
+                        </a:spcAft>
+                        <a:buClrTx/>
+                        <a:buSzTx/>
+                        <a:buFontTx/>
+                        <a:buNone/>
+                        <a:tabLst/>
+                        <a:defRPr/>
+                      </a:pPr>
+                      <a:endParaRPr lang="ko-KR" altLang="en-US" sz="800" dirty="0"/>
+                    </a:p>
+                  </a:txBody>
+                  <a:tcPr anchor="ctr"/>
+                </a:tc>
+                <a:tc>
+                  <a:txBody>
+                    <a:bodyPr/>
+                    <a:lstStyle/>
+                    <a:p>
+                      <a:pPr marL="171450" indent="-171450" algn="l" latinLnBrk="1">
+                        <a:buFont typeface="Arial" panose="020B0604020202020204" pitchFamily="34" charset="0"/>
+                        <a:buChar char="•"/>
+                      </a:pPr>
+                      <a:endParaRPr lang="ko-KR" altLang="en-US" sz="800" dirty="0"/>
+                    </a:p>
+                  </a:txBody>
+                  <a:tcPr anchor="ctr"/>
+                </a:tc>
+                <a:tc>
+                  <a:txBody>
+                    <a:bodyPr/>
+                    <a:lstStyle/>
+                    <a:p>
+                      <a:pPr algn="ctr" latinLnBrk="1"/>
+                      <a:endParaRPr lang="ko-KR" altLang="en-US" sz="800" dirty="0"/>
+                    </a:p>
+                  </a:txBody>
+                  <a:tcPr anchor="ctr"/>
+                </a:tc>
+                <a:extLst>
+                  <a:ext uri="{0D108BD9-81ED-4DB2-BD59-A6C34878D82A}">
+                    <a16:rowId xmlns:a16="http://schemas.microsoft.com/office/drawing/2014/main" val="2254222617"/>
+                  </a:ext>
+                </a:extLst>
+              </a:tr>
+              <a:tr h="458938">
+                <a:tc>
+                  <a:txBody>
+                    <a:bodyPr/>
+                    <a:lstStyle/>
+                    <a:p>
+                      <a:pPr algn="ctr" latinLnBrk="1"/>
+                      <a:r>
+                        <a:rPr lang="en-US" altLang="ko-KR" sz="800" dirty="0"/>
+                        <a:t>8</a:t>
+                      </a:r>
+                      <a:endParaRPr lang="ko-KR" altLang="en-US" sz="800" dirty="0"/>
+                    </a:p>
+                  </a:txBody>
+                  <a:tcPr anchor="ctr"/>
+                </a:tc>
+                <a:tc>
+                  <a:txBody>
+                    <a:bodyPr/>
+                    <a:lstStyle/>
+                    <a:p>
+                      <a:pPr algn="ctr" latinLnBrk="1"/>
+                      <a:endParaRPr lang="ko-KR" altLang="en-US" sz="800" dirty="0"/>
+                    </a:p>
+                  </a:txBody>
+                  <a:tcPr anchor="ctr"/>
+                </a:tc>
+                <a:tc>
+                  <a:txBody>
+                    <a:bodyPr/>
+                    <a:lstStyle/>
+                    <a:p>
+                      <a:pPr algn="ctr" latinLnBrk="1"/>
+                      <a:endParaRPr lang="ko-KR" altLang="en-US" sz="800" dirty="0"/>
+                    </a:p>
+                  </a:txBody>
+                  <a:tcPr anchor="ctr"/>
+                </a:tc>
+                <a:tc>
+                  <a:txBody>
+                    <a:bodyPr/>
+                    <a:lstStyle/>
+                    <a:p>
+                      <a:pPr marL="171450" indent="-171450" algn="l" latinLnBrk="1">
+                        <a:buFont typeface="Arial" panose="020B0604020202020204" pitchFamily="34" charset="0"/>
+                        <a:buChar char="•"/>
+                      </a:pPr>
+                      <a:endParaRPr lang="ko-KR" altLang="en-US" sz="800" dirty="0"/>
+                    </a:p>
+                  </a:txBody>
+                  <a:tcPr anchor="ctr"/>
+                </a:tc>
+                <a:tc>
+                  <a:txBody>
+                    <a:bodyPr/>
+                    <a:lstStyle/>
+                    <a:p>
+                      <a:pPr algn="ctr" latinLnBrk="1"/>
+                      <a:endParaRPr lang="ko-KR" altLang="en-US" sz="800" dirty="0"/>
+                    </a:p>
+                  </a:txBody>
+                  <a:tcPr anchor="ctr"/>
+                </a:tc>
+                <a:extLst>
+                  <a:ext uri="{0D108BD9-81ED-4DB2-BD59-A6C34878D82A}">
+                    <a16:rowId xmlns:a16="http://schemas.microsoft.com/office/drawing/2014/main" val="1972408766"/>
+                  </a:ext>
+                </a:extLst>
+              </a:tr>
+              <a:tr h="458938">
+                <a:tc>
+                  <a:txBody>
+                    <a:bodyPr/>
+                    <a:lstStyle/>
+                    <a:p>
+                      <a:pPr algn="ctr" latinLnBrk="1"/>
+                      <a:r>
+                        <a:rPr lang="en-US" altLang="ko-KR" sz="800" dirty="0"/>
+                        <a:t>9</a:t>
+                      </a:r>
+                      <a:endParaRPr lang="ko-KR" altLang="en-US" sz="800" dirty="0"/>
+                    </a:p>
+                  </a:txBody>
+                  <a:tcPr anchor="ctr"/>
+                </a:tc>
+                <a:tc>
+                  <a:txBody>
+                    <a:bodyPr/>
+                    <a:lstStyle/>
+                    <a:p>
+                      <a:pPr algn="ctr" latinLnBrk="1"/>
+                      <a:endParaRPr lang="ko-KR" altLang="en-US" sz="800" dirty="0"/>
+                    </a:p>
+                  </a:txBody>
+                  <a:tcPr anchor="ctr"/>
+                </a:tc>
+                <a:tc>
+                  <a:txBody>
+                    <a:bodyPr/>
+                    <a:lstStyle/>
+                    <a:p>
+                      <a:pPr algn="ctr" latinLnBrk="1"/>
+                      <a:endParaRPr lang="ko-KR" altLang="en-US" sz="800" dirty="0"/>
+                    </a:p>
+                  </a:txBody>
+                  <a:tcPr anchor="ctr"/>
+                </a:tc>
+                <a:tc>
+                  <a:txBody>
+                    <a:bodyPr/>
+                    <a:lstStyle/>
+                    <a:p>
+                      <a:pPr marL="171450" indent="-171450" algn="l" latinLnBrk="1">
+                        <a:buFont typeface="Arial" panose="020B0604020202020204" pitchFamily="34" charset="0"/>
+                        <a:buChar char="•"/>
+                      </a:pPr>
+                      <a:endParaRPr lang="ko-KR" altLang="en-US" sz="800" dirty="0"/>
+                    </a:p>
+                  </a:txBody>
+                  <a:tcPr anchor="ctr"/>
+                </a:tc>
+                <a:tc>
+                  <a:txBody>
+                    <a:bodyPr/>
+                    <a:lstStyle/>
+                    <a:p>
+                      <a:pPr algn="ctr" latinLnBrk="1"/>
+                      <a:endParaRPr lang="ko-KR" altLang="en-US" sz="800" dirty="0"/>
+                    </a:p>
+                  </a:txBody>
+                  <a:tcPr anchor="ctr"/>
+                </a:tc>
+                <a:extLst>
+                  <a:ext uri="{0D108BD9-81ED-4DB2-BD59-A6C34878D82A}">
+                    <a16:rowId xmlns:a16="http://schemas.microsoft.com/office/drawing/2014/main" val="3001796068"/>
+                  </a:ext>
+                </a:extLst>
+              </a:tr>
+              <a:tr h="458938">
+                <a:tc>
+                  <a:txBody>
+                    <a:bodyPr/>
+                    <a:lstStyle/>
+                    <a:p>
+                      <a:pPr algn="ctr" latinLnBrk="1"/>
+                      <a:r>
+                        <a:rPr lang="en-US" altLang="ko-KR" sz="800" dirty="0"/>
+                        <a:t>10</a:t>
+                      </a:r>
+                      <a:endParaRPr lang="ko-KR" altLang="en-US" sz="800" dirty="0"/>
+                    </a:p>
+                  </a:txBody>
+                  <a:tcPr anchor="ctr"/>
+                </a:tc>
+                <a:tc>
+                  <a:txBody>
+                    <a:bodyPr/>
+                    <a:lstStyle/>
+                    <a:p>
+                      <a:pPr algn="ctr" latinLnBrk="1"/>
+                      <a:endParaRPr lang="ko-KR" altLang="en-US" sz="800" dirty="0"/>
+                    </a:p>
+                  </a:txBody>
+                  <a:tcPr anchor="ctr"/>
+                </a:tc>
+                <a:tc>
+                  <a:txBody>
+                    <a:bodyPr/>
+                    <a:lstStyle/>
+                    <a:p>
+                      <a:pPr algn="ctr" latinLnBrk="1"/>
+                      <a:endParaRPr lang="ko-KR" altLang="en-US" sz="800" dirty="0"/>
+                    </a:p>
+                  </a:txBody>
+                  <a:tcPr anchor="ctr"/>
+                </a:tc>
+                <a:tc>
+                  <a:txBody>
+                    <a:bodyPr/>
+                    <a:lstStyle/>
+                    <a:p>
+                      <a:pPr marL="171450" indent="-171450" algn="l" latinLnBrk="1">
+                        <a:buFont typeface="Arial" panose="020B0604020202020204" pitchFamily="34" charset="0"/>
+                        <a:buChar char="•"/>
+                      </a:pPr>
+                      <a:endParaRPr lang="ko-KR" altLang="en-US" sz="800" dirty="0"/>
+                    </a:p>
+                  </a:txBody>
+                  <a:tcPr anchor="ctr"/>
+                </a:tc>
+                <a:tc>
+                  <a:txBody>
+                    <a:bodyPr/>
+                    <a:lstStyle/>
+                    <a:p>
+                      <a:pPr algn="ctr" latinLnBrk="1"/>
+                      <a:endParaRPr lang="ko-KR" altLang="en-US" sz="800" dirty="0"/>
+                    </a:p>
+                  </a:txBody>
+                  <a:tcPr anchor="ctr"/>
+                </a:tc>
+                <a:extLst>
+                  <a:ext uri="{0D108BD9-81ED-4DB2-BD59-A6C34878D82A}">
+                    <a16:rowId xmlns:a16="http://schemas.microsoft.com/office/drawing/2014/main" val="2602309666"/>
+                  </a:ext>
+                </a:extLst>
+              </a:tr>
+              <a:tr h="458938">
+                <a:tc>
+                  <a:txBody>
+                    <a:bodyPr/>
+                    <a:lstStyle/>
+                    <a:p>
+                      <a:pPr algn="ctr" latinLnBrk="1"/>
+                      <a:endParaRPr lang="ko-KR" altLang="en-US" sz="800" dirty="0"/>
+                    </a:p>
+                  </a:txBody>
+                  <a:tcPr anchor="ctr"/>
+                </a:tc>
+                <a:tc>
+                  <a:txBody>
+                    <a:bodyPr/>
+                    <a:lstStyle/>
+                    <a:p>
+                      <a:pPr algn="ctr" latinLnBrk="1"/>
+                      <a:endParaRPr lang="ko-KR" altLang="en-US" sz="800" dirty="0"/>
+                    </a:p>
+                  </a:txBody>
+                  <a:tcPr anchor="ctr"/>
+                </a:tc>
+                <a:tc>
+                  <a:txBody>
+                    <a:bodyPr/>
+                    <a:lstStyle/>
+                    <a:p>
+                      <a:pPr algn="ctr" latinLnBrk="1"/>
+                      <a:endParaRPr lang="ko-KR" altLang="en-US" sz="800" dirty="0"/>
+                    </a:p>
+                  </a:txBody>
+                  <a:tcPr anchor="ctr"/>
+                </a:tc>
+                <a:tc>
+                  <a:txBody>
+                    <a:bodyPr/>
+                    <a:lstStyle/>
+                    <a:p>
+                      <a:pPr marL="171450" indent="-171450" algn="l" latinLnBrk="1">
+                        <a:buFont typeface="Arial" panose="020B0604020202020204" pitchFamily="34" charset="0"/>
+                        <a:buChar char="•"/>
+                      </a:pPr>
+                      <a:endParaRPr lang="ko-KR" altLang="en-US" sz="800" dirty="0"/>
+                    </a:p>
+                  </a:txBody>
+                  <a:tcPr anchor="ctr"/>
+                </a:tc>
+                <a:tc>
+                  <a:txBody>
+                    <a:bodyPr/>
+                    <a:lstStyle/>
+                    <a:p>
+                      <a:pPr algn="ctr" latinLnBrk="1"/>
+                      <a:endParaRPr lang="ko-KR" altLang="en-US" sz="800" dirty="0"/>
+                    </a:p>
+                  </a:txBody>
+                  <a:tcPr anchor="ctr"/>
+                </a:tc>
+                <a:extLst>
+                  <a:ext uri="{0D108BD9-81ED-4DB2-BD59-A6C34878D82A}">
+                    <a16:rowId xmlns:a16="http://schemas.microsoft.com/office/drawing/2014/main" val="656408730"/>
+                  </a:ext>
+                </a:extLst>
+              </a:tr>
+            </a:tbl>
+          </a:graphicData>
+        </a:graphic>
+      </p:graphicFrame>
+    </p:spTree>
+    <p:extLst>
+      <p:ext uri="{BB962C8B-B14F-4D97-AF65-F5344CB8AC3E}">
+        <p14:creationId xmlns:p14="http://schemas.microsoft.com/office/powerpoint/2010/main" val="3817048827"/>
       </p:ext>
     </p:extLst>
   </p:cSld>
@@ -17377,7 +19354,7 @@
           <p:nvPr>
             <p:extLst>
               <p:ext uri="{D42A27DB-BD31-4B8C-83A1-F6EECF244321}">
-                <p14:modId xmlns:p14="http://schemas.microsoft.com/office/powerpoint/2010/main" val="2931282934"/>
+                <p14:modId xmlns:p14="http://schemas.microsoft.com/office/powerpoint/2010/main" val="1611382242"/>
               </p:ext>
             </p:extLst>
           </p:nvPr>

--- a/프로젝트계획서(상세)이해니_금융라이브커머스_2차_20210702.pptx
+++ b/프로젝트계획서(상세)이해니_금융라이브커머스_2차_20210702.pptx
@@ -329,7 +329,7 @@
           <a:p>
             <a:fld id="{809B9B38-F560-4835-ADA5-BB3DA7E9341F}" type="datetimeFigureOut">
               <a:rPr lang="ko-KR" altLang="en-US" smtClean="0"/>
-              <a:t>2021-07-06</a:t>
+              <a:t>2021-07-07</a:t>
             </a:fld>
             <a:endParaRPr lang="ko-KR" altLang="en-US" dirty="0"/>
           </a:p>
@@ -537,7 +537,7 @@
           <a:p>
             <a:fld id="{809B9B38-F560-4835-ADA5-BB3DA7E9341F}" type="datetimeFigureOut">
               <a:rPr lang="ko-KR" altLang="en-US" smtClean="0"/>
-              <a:t>2021-07-06</a:t>
+              <a:t>2021-07-07</a:t>
             </a:fld>
             <a:endParaRPr lang="ko-KR" altLang="en-US" dirty="0"/>
           </a:p>
@@ -862,7 +862,7 @@
           <a:p>
             <a:fld id="{809B9B38-F560-4835-ADA5-BB3DA7E9341F}" type="datetimeFigureOut">
               <a:rPr lang="ko-KR" altLang="en-US" smtClean="0"/>
-              <a:t>2021-07-06</a:t>
+              <a:t>2021-07-07</a:t>
             </a:fld>
             <a:endParaRPr lang="ko-KR" altLang="en-US" dirty="0"/>
           </a:p>
@@ -1274,7 +1274,7 @@
           <a:p>
             <a:fld id="{809B9B38-F560-4835-ADA5-BB3DA7E9341F}" type="datetimeFigureOut">
               <a:rPr lang="ko-KR" altLang="en-US" smtClean="0"/>
-              <a:t>2021-07-06</a:t>
+              <a:t>2021-07-07</a:t>
             </a:fld>
             <a:endParaRPr lang="ko-KR" altLang="en-US" dirty="0"/>
           </a:p>
@@ -1415,7 +1415,7 @@
           <a:p>
             <a:fld id="{809B9B38-F560-4835-ADA5-BB3DA7E9341F}" type="datetimeFigureOut">
               <a:rPr lang="ko-KR" altLang="en-US" smtClean="0"/>
-              <a:t>2021-07-06</a:t>
+              <a:t>2021-07-07</a:t>
             </a:fld>
             <a:endParaRPr lang="ko-KR" altLang="en-US" dirty="0"/>
           </a:p>
@@ -1528,7 +1528,7 @@
           <a:p>
             <a:fld id="{809B9B38-F560-4835-ADA5-BB3DA7E9341F}" type="datetimeFigureOut">
               <a:rPr lang="ko-KR" altLang="en-US" smtClean="0"/>
-              <a:t>2021-07-06</a:t>
+              <a:t>2021-07-07</a:t>
             </a:fld>
             <a:endParaRPr lang="ko-KR" altLang="en-US" dirty="0"/>
           </a:p>
@@ -1839,7 +1839,7 @@
           <a:p>
             <a:fld id="{809B9B38-F560-4835-ADA5-BB3DA7E9341F}" type="datetimeFigureOut">
               <a:rPr lang="ko-KR" altLang="en-US" smtClean="0"/>
-              <a:t>2021-07-06</a:t>
+              <a:t>2021-07-07</a:t>
             </a:fld>
             <a:endParaRPr lang="ko-KR" altLang="en-US" dirty="0"/>
           </a:p>
@@ -2127,7 +2127,7 @@
           <a:p>
             <a:fld id="{809B9B38-F560-4835-ADA5-BB3DA7E9341F}" type="datetimeFigureOut">
               <a:rPr lang="ko-KR" altLang="en-US" smtClean="0"/>
-              <a:t>2021-07-06</a:t>
+              <a:t>2021-07-07</a:t>
             </a:fld>
             <a:endParaRPr lang="ko-KR" altLang="en-US" dirty="0"/>
           </a:p>
@@ -2368,7 +2368,7 @@
           <a:p>
             <a:fld id="{809B9B38-F560-4835-ADA5-BB3DA7E9341F}" type="datetimeFigureOut">
               <a:rPr lang="ko-KR" altLang="en-US" smtClean="0"/>
-              <a:t>2021-07-06</a:t>
+              <a:t>2021-07-07</a:t>
             </a:fld>
             <a:endParaRPr lang="ko-KR" altLang="en-US" dirty="0"/>
           </a:p>
@@ -15882,7 +15882,7 @@
         <p:spPr>
           <a:xfrm>
             <a:off x="920503" y="1459734"/>
-            <a:ext cx="10420580" cy="5078313"/>
+            <a:ext cx="10420580" cy="7571303"/>
           </a:xfrm>
           <a:prstGeom prst="rect">
             <a:avLst/>
@@ -16004,9 +16004,9 @@
               <a:rPr lang="ko-KR" altLang="en-US" dirty="0"/>
               <a:t>특히 중국에선 라이브방송을 통한 보험판매가 상당한 성과를 보이고 있음</a:t>
             </a:r>
-            <a:endParaRPr lang="en-US" altLang="ko-KR" dirty="0"/>
-          </a:p>
-          <a:p>
+            <a:br>
+              <a:rPr lang="en-US" altLang="ko-KR" dirty="0"/>
+            </a:br>
             <a:endParaRPr lang="en-US" altLang="ko-KR" b="1" dirty="0"/>
           </a:p>
           <a:p>
@@ -16077,6 +16077,111 @@
             <a:r>
               <a:rPr lang="ko-KR" altLang="en-US" dirty="0"/>
               <a:t> 제공</a:t>
+            </a:r>
+            <a:endParaRPr lang="en-US" altLang="ko-KR" dirty="0"/>
+          </a:p>
+          <a:p>
+            <a:pPr marL="742950" lvl="1" indent="-285750">
+              <a:buFont typeface="Arial" panose="020B0604020202020204" pitchFamily="34" charset="0"/>
+              <a:buChar char="•"/>
+            </a:pPr>
+            <a:r>
+              <a:rPr lang="ko-KR" altLang="en-US" dirty="0"/>
+              <a:t>영업사원이 영업을 하고 자신 실적을 조회하고 분석하는 웹</a:t>
+            </a:r>
+            <a:endParaRPr lang="en-US" altLang="ko-KR" dirty="0"/>
+          </a:p>
+          <a:p>
+            <a:pPr marL="1200150" lvl="2" indent="-285750">
+              <a:buFont typeface="Arial" panose="020B0604020202020204" pitchFamily="34" charset="0"/>
+              <a:buChar char="•"/>
+            </a:pPr>
+            <a:r>
+              <a:rPr lang="ko-KR" altLang="en-US" dirty="0"/>
+              <a:t>이번 달 신규 고객 영업 수 </a:t>
+            </a:r>
+            <a:r>
+              <a:rPr lang="en-US" altLang="ko-KR" dirty="0"/>
+              <a:t>:</a:t>
+            </a:r>
+          </a:p>
+          <a:p>
+            <a:pPr marL="1200150" lvl="2" indent="-285750">
+              <a:buFont typeface="Arial" panose="020B0604020202020204" pitchFamily="34" charset="0"/>
+              <a:buChar char="•"/>
+            </a:pPr>
+            <a:r>
+              <a:rPr lang="ko-KR" altLang="en-US" dirty="0"/>
+              <a:t>이번 달 영업 달성 액 </a:t>
+            </a:r>
+            <a:r>
+              <a:rPr lang="en-US" altLang="ko-KR" dirty="0"/>
+              <a:t>: </a:t>
+            </a:r>
+          </a:p>
+          <a:p>
+            <a:pPr marL="1200150" lvl="2" indent="-285750">
+              <a:buFont typeface="Arial" panose="020B0604020202020204" pitchFamily="34" charset="0"/>
+              <a:buChar char="•"/>
+            </a:pPr>
+            <a:r>
+              <a:rPr lang="ko-KR" altLang="en-US" dirty="0"/>
+              <a:t>온라인 실적</a:t>
+            </a:r>
+            <a:endParaRPr lang="en-US" altLang="ko-KR" dirty="0"/>
+          </a:p>
+          <a:p>
+            <a:pPr marL="1200150" lvl="2" indent="-285750">
+              <a:buFont typeface="Arial" panose="020B0604020202020204" pitchFamily="34" charset="0"/>
+              <a:buChar char="•"/>
+            </a:pPr>
+            <a:r>
+              <a:rPr lang="ko-KR" altLang="en-US" dirty="0"/>
+              <a:t>오프라인 실적</a:t>
+            </a:r>
+            <a:endParaRPr lang="en-US" altLang="ko-KR" dirty="0"/>
+          </a:p>
+          <a:p>
+            <a:pPr marL="742950" lvl="1" indent="-285750">
+              <a:buFont typeface="Arial" panose="020B0604020202020204" pitchFamily="34" charset="0"/>
+              <a:buChar char="•"/>
+            </a:pPr>
+            <a:r>
+              <a:rPr lang="ko-KR" altLang="en-US" dirty="0"/>
+              <a:t>상품의 영업실적 조회</a:t>
+            </a:r>
+            <a:endParaRPr lang="en-US" altLang="ko-KR" dirty="0"/>
+          </a:p>
+          <a:p>
+            <a:pPr marL="1200150" lvl="2" indent="-285750">
+              <a:buFont typeface="Arial" panose="020B0604020202020204" pitchFamily="34" charset="0"/>
+              <a:buChar char="•"/>
+            </a:pPr>
+            <a:r>
+              <a:rPr lang="ko-KR" altLang="en-US" dirty="0"/>
+              <a:t>적금</a:t>
+            </a:r>
+            <a:endParaRPr lang="en-US" altLang="ko-KR" dirty="0"/>
+          </a:p>
+          <a:p>
+            <a:pPr marL="1200150" lvl="2" indent="-285750">
+              <a:buFont typeface="Arial" panose="020B0604020202020204" pitchFamily="34" charset="0"/>
+              <a:buChar char="•"/>
+            </a:pPr>
+            <a:r>
+              <a:rPr lang="ko-KR" altLang="en-US" dirty="0"/>
+              <a:t>이번 달 </a:t>
+            </a:r>
+            <a:endParaRPr lang="en-US" altLang="ko-KR" dirty="0"/>
+          </a:p>
+          <a:p>
+            <a:pPr marL="1200150" lvl="2" indent="-285750">
+              <a:buFont typeface="Arial" panose="020B0604020202020204" pitchFamily="34" charset="0"/>
+              <a:buChar char="•"/>
+            </a:pPr>
+            <a:r>
+              <a:rPr lang="ko-KR" altLang="en-US" dirty="0"/>
+              <a:t>시간 별 영업 실적</a:t>
             </a:r>
             <a:endParaRPr lang="en-US" altLang="ko-KR" dirty="0"/>
           </a:p>
